--- a/Презентация.pptx
+++ b/Презентация.pptx
@@ -14,7 +14,7 @@
     <p:sldId id="261" r:id="rId9"/>
   </p:sldIdLst>
   <p:sldSz cx="9144000" cy="5143500"/>
-  <p:notesSz cx="6858000" cy="9144000"/>
+  <p:notesSz cx="7559675" cy="10691813"/>
 </p:presentation>
 </file>
 
@@ -49,7 +49,7 @@
         <p:txBody>
           <a:bodyPr/>
           <a:p>
-            <a:fld id="{2D4AF46F-21C3-4FCC-B874-638E47F76994}" type="slidenum">
+            <a:fld id="{7EB5926C-2B0D-49D4-B6F8-777928703112}" type="slidenum">
               <a:t>&lt;#&gt;</a:t>
             </a:fld>
           </a:p>
@@ -89,8 +89,8 @@
         </p:nvSpPr>
         <p:spPr>
           <a:xfrm>
-            <a:off x="311760" y="444960"/>
-            <a:ext cx="8520120" cy="572400"/>
+            <a:off x="311760" y="105840"/>
+            <a:ext cx="8519760" cy="1250280"/>
           </a:xfrm>
           <a:prstGeom prst="rect">
             <a:avLst/>
@@ -105,10 +105,10 @@
             <a:noAutofit/>
           </a:bodyPr>
           <a:p>
-            <a:endParaRPr b="0" lang="ru-RU" sz="1400" spc="-1" strike="noStrike">
-              <a:solidFill>
-                <a:srgbClr val="000000"/>
-              </a:solidFill>
+            <a:pPr algn="ctr">
+              <a:buNone/>
+            </a:pPr>
+            <a:endParaRPr b="0" lang="ru-RU" sz="4400" spc="-1" strike="noStrike">
               <a:latin typeface="Arial"/>
             </a:endParaRPr>
           </a:p>
@@ -127,7 +127,7 @@
         <p:spPr>
           <a:xfrm>
             <a:off x="311760" y="1152360"/>
-            <a:ext cx="8520120" cy="1629360"/>
+            <a:ext cx="8519760" cy="1629000"/>
           </a:xfrm>
           <a:prstGeom prst="rect">
             <a:avLst/>
@@ -142,10 +142,7 @@
             <a:normAutofit/>
           </a:bodyPr>
           <a:p>
-            <a:endParaRPr b="0" lang="ru-RU" sz="1400" spc="-1" strike="noStrike">
-              <a:solidFill>
-                <a:srgbClr val="000000"/>
-              </a:solidFill>
+            <a:endParaRPr b="0" lang="ru-RU" sz="3200" spc="-1" strike="noStrike">
               <a:latin typeface="Arial"/>
             </a:endParaRPr>
           </a:p>
@@ -163,8 +160,8 @@
         </p:nvSpPr>
         <p:spPr>
           <a:xfrm>
-            <a:off x="311760" y="2936880"/>
-            <a:ext cx="8520120" cy="1629360"/>
+            <a:off x="311760" y="2936520"/>
+            <a:ext cx="8519760" cy="1629000"/>
           </a:xfrm>
           <a:prstGeom prst="rect">
             <a:avLst/>
@@ -179,10 +176,7 @@
             <a:normAutofit/>
           </a:bodyPr>
           <a:p>
-            <a:endParaRPr b="0" lang="ru-RU" sz="1400" spc="-1" strike="noStrike">
-              <a:solidFill>
-                <a:srgbClr val="000000"/>
-              </a:solidFill>
+            <a:endParaRPr b="0" lang="ru-RU" sz="3200" spc="-1" strike="noStrike">
               <a:latin typeface="Arial"/>
             </a:endParaRPr>
           </a:p>
@@ -202,7 +196,7 @@
         <p:txBody>
           <a:bodyPr/>
           <a:p>
-            <a:fld id="{0ED040AD-CF68-46D8-BB4D-9E895E5026B1}" type="slidenum">
+            <a:fld id="{ABA6CD2E-6A41-463D-A248-01E63C47D5CF}" type="slidenum">
               <a:t>&lt;#&gt;</a:t>
             </a:fld>
           </a:p>
@@ -242,8 +236,8 @@
         </p:nvSpPr>
         <p:spPr>
           <a:xfrm>
-            <a:off x="311760" y="444960"/>
-            <a:ext cx="8520120" cy="572400"/>
+            <a:off x="311760" y="105840"/>
+            <a:ext cx="8519760" cy="1250280"/>
           </a:xfrm>
           <a:prstGeom prst="rect">
             <a:avLst/>
@@ -258,10 +252,10 @@
             <a:noAutofit/>
           </a:bodyPr>
           <a:p>
-            <a:endParaRPr b="0" lang="ru-RU" sz="1400" spc="-1" strike="noStrike">
-              <a:solidFill>
-                <a:srgbClr val="000000"/>
-              </a:solidFill>
+            <a:pPr algn="ctr">
+              <a:buNone/>
+            </a:pPr>
+            <a:endParaRPr b="0" lang="ru-RU" sz="4400" spc="-1" strike="noStrike">
               <a:latin typeface="Arial"/>
             </a:endParaRPr>
           </a:p>
@@ -280,7 +274,7 @@
         <p:spPr>
           <a:xfrm>
             <a:off x="311760" y="1152360"/>
-            <a:ext cx="4157640" cy="1629360"/>
+            <a:ext cx="4157280" cy="1629000"/>
           </a:xfrm>
           <a:prstGeom prst="rect">
             <a:avLst/>
@@ -295,10 +289,7 @@
             <a:normAutofit/>
           </a:bodyPr>
           <a:p>
-            <a:endParaRPr b="0" lang="ru-RU" sz="1400" spc="-1" strike="noStrike">
-              <a:solidFill>
-                <a:srgbClr val="000000"/>
-              </a:solidFill>
+            <a:endParaRPr b="0" lang="ru-RU" sz="3200" spc="-1" strike="noStrike">
               <a:latin typeface="Arial"/>
             </a:endParaRPr>
           </a:p>
@@ -316,8 +307,8 @@
         </p:nvSpPr>
         <p:spPr>
           <a:xfrm>
-            <a:off x="4677840" y="1152360"/>
-            <a:ext cx="4157640" cy="1629360"/>
+            <a:off x="4677120" y="1152360"/>
+            <a:ext cx="4157280" cy="1629000"/>
           </a:xfrm>
           <a:prstGeom prst="rect">
             <a:avLst/>
@@ -332,10 +323,7 @@
             <a:normAutofit/>
           </a:bodyPr>
           <a:p>
-            <a:endParaRPr b="0" lang="ru-RU" sz="1400" spc="-1" strike="noStrike">
-              <a:solidFill>
-                <a:srgbClr val="000000"/>
-              </a:solidFill>
+            <a:endParaRPr b="0" lang="ru-RU" sz="3200" spc="-1" strike="noStrike">
               <a:latin typeface="Arial"/>
             </a:endParaRPr>
           </a:p>
@@ -353,8 +341,8 @@
         </p:nvSpPr>
         <p:spPr>
           <a:xfrm>
-            <a:off x="311760" y="2936880"/>
-            <a:ext cx="4157640" cy="1629360"/>
+            <a:off x="311760" y="2936520"/>
+            <a:ext cx="4157280" cy="1629000"/>
           </a:xfrm>
           <a:prstGeom prst="rect">
             <a:avLst/>
@@ -369,10 +357,7 @@
             <a:normAutofit/>
           </a:bodyPr>
           <a:p>
-            <a:endParaRPr b="0" lang="ru-RU" sz="1400" spc="-1" strike="noStrike">
-              <a:solidFill>
-                <a:srgbClr val="000000"/>
-              </a:solidFill>
+            <a:endParaRPr b="0" lang="ru-RU" sz="3200" spc="-1" strike="noStrike">
               <a:latin typeface="Arial"/>
             </a:endParaRPr>
           </a:p>
@@ -390,8 +375,8 @@
         </p:nvSpPr>
         <p:spPr>
           <a:xfrm>
-            <a:off x="4677840" y="2936880"/>
-            <a:ext cx="4157640" cy="1629360"/>
+            <a:off x="4677120" y="2936520"/>
+            <a:ext cx="4157280" cy="1629000"/>
           </a:xfrm>
           <a:prstGeom prst="rect">
             <a:avLst/>
@@ -406,10 +391,7 @@
             <a:normAutofit/>
           </a:bodyPr>
           <a:p>
-            <a:endParaRPr b="0" lang="ru-RU" sz="1400" spc="-1" strike="noStrike">
-              <a:solidFill>
-                <a:srgbClr val="000000"/>
-              </a:solidFill>
+            <a:endParaRPr b="0" lang="ru-RU" sz="3200" spc="-1" strike="noStrike">
               <a:latin typeface="Arial"/>
             </a:endParaRPr>
           </a:p>
@@ -429,7 +411,7 @@
         <p:txBody>
           <a:bodyPr/>
           <a:p>
-            <a:fld id="{81CBB001-BAA8-4863-988B-12A7167A7C6A}" type="slidenum">
+            <a:fld id="{EA358C94-6217-4A40-A25E-5081C49576E8}" type="slidenum">
               <a:t>&lt;#&gt;</a:t>
             </a:fld>
           </a:p>
@@ -469,8 +451,8 @@
         </p:nvSpPr>
         <p:spPr>
           <a:xfrm>
-            <a:off x="311760" y="444960"/>
-            <a:ext cx="8520120" cy="572400"/>
+            <a:off x="311760" y="105840"/>
+            <a:ext cx="8519760" cy="1250280"/>
           </a:xfrm>
           <a:prstGeom prst="rect">
             <a:avLst/>
@@ -485,10 +467,10 @@
             <a:noAutofit/>
           </a:bodyPr>
           <a:p>
-            <a:endParaRPr b="0" lang="ru-RU" sz="1400" spc="-1" strike="noStrike">
-              <a:solidFill>
-                <a:srgbClr val="000000"/>
-              </a:solidFill>
+            <a:pPr algn="ctr">
+              <a:buNone/>
+            </a:pPr>
+            <a:endParaRPr b="0" lang="ru-RU" sz="4400" spc="-1" strike="noStrike">
               <a:latin typeface="Arial"/>
             </a:endParaRPr>
           </a:p>
@@ -507,7 +489,7 @@
         <p:spPr>
           <a:xfrm>
             <a:off x="311760" y="1152360"/>
-            <a:ext cx="2743200" cy="1629360"/>
+            <a:ext cx="2743200" cy="1629000"/>
           </a:xfrm>
           <a:prstGeom prst="rect">
             <a:avLst/>
@@ -519,13 +501,10 @@
         </p:spPr>
         <p:txBody>
           <a:bodyPr lIns="0" rIns="0" tIns="0" bIns="0" anchor="t">
-            <a:normAutofit/>
-          </a:bodyPr>
-          <a:p>
-            <a:endParaRPr b="0" lang="ru-RU" sz="1400" spc="-1" strike="noStrike">
-              <a:solidFill>
-                <a:srgbClr val="000000"/>
-              </a:solidFill>
+            <a:normAutofit fontScale="77000"/>
+          </a:bodyPr>
+          <a:p>
+            <a:endParaRPr b="0" lang="ru-RU" sz="3200" spc="-1" strike="noStrike">
               <a:latin typeface="Arial"/>
             </a:endParaRPr>
           </a:p>
@@ -544,7 +523,7 @@
         <p:spPr>
           <a:xfrm>
             <a:off x="3192480" y="1152360"/>
-            <a:ext cx="2743200" cy="1629360"/>
+            <a:ext cx="2743200" cy="1629000"/>
           </a:xfrm>
           <a:prstGeom prst="rect">
             <a:avLst/>
@@ -556,13 +535,10 @@
         </p:spPr>
         <p:txBody>
           <a:bodyPr lIns="0" rIns="0" tIns="0" bIns="0" anchor="t">
-            <a:normAutofit/>
-          </a:bodyPr>
-          <a:p>
-            <a:endParaRPr b="0" lang="ru-RU" sz="1400" spc="-1" strike="noStrike">
-              <a:solidFill>
-                <a:srgbClr val="000000"/>
-              </a:solidFill>
+            <a:normAutofit fontScale="77000"/>
+          </a:bodyPr>
+          <a:p>
+            <a:endParaRPr b="0" lang="ru-RU" sz="3200" spc="-1" strike="noStrike">
               <a:latin typeface="Arial"/>
             </a:endParaRPr>
           </a:p>
@@ -581,7 +557,7 @@
         <p:spPr>
           <a:xfrm>
             <a:off x="6073200" y="1152360"/>
-            <a:ext cx="2743200" cy="1629360"/>
+            <a:ext cx="2743200" cy="1629000"/>
           </a:xfrm>
           <a:prstGeom prst="rect">
             <a:avLst/>
@@ -593,13 +569,10 @@
         </p:spPr>
         <p:txBody>
           <a:bodyPr lIns="0" rIns="0" tIns="0" bIns="0" anchor="t">
-            <a:normAutofit/>
-          </a:bodyPr>
-          <a:p>
-            <a:endParaRPr b="0" lang="ru-RU" sz="1400" spc="-1" strike="noStrike">
-              <a:solidFill>
-                <a:srgbClr val="000000"/>
-              </a:solidFill>
+            <a:normAutofit fontScale="77000"/>
+          </a:bodyPr>
+          <a:p>
+            <a:endParaRPr b="0" lang="ru-RU" sz="3200" spc="-1" strike="noStrike">
               <a:latin typeface="Arial"/>
             </a:endParaRPr>
           </a:p>
@@ -617,8 +590,8 @@
         </p:nvSpPr>
         <p:spPr>
           <a:xfrm>
-            <a:off x="311760" y="2936880"/>
-            <a:ext cx="2743200" cy="1629360"/>
+            <a:off x="311760" y="2936520"/>
+            <a:ext cx="2743200" cy="1629000"/>
           </a:xfrm>
           <a:prstGeom prst="rect">
             <a:avLst/>
@@ -630,13 +603,10 @@
         </p:spPr>
         <p:txBody>
           <a:bodyPr lIns="0" rIns="0" tIns="0" bIns="0" anchor="t">
-            <a:normAutofit/>
-          </a:bodyPr>
-          <a:p>
-            <a:endParaRPr b="0" lang="ru-RU" sz="1400" spc="-1" strike="noStrike">
-              <a:solidFill>
-                <a:srgbClr val="000000"/>
-              </a:solidFill>
+            <a:normAutofit fontScale="77000"/>
+          </a:bodyPr>
+          <a:p>
+            <a:endParaRPr b="0" lang="ru-RU" sz="3200" spc="-1" strike="noStrike">
               <a:latin typeface="Arial"/>
             </a:endParaRPr>
           </a:p>
@@ -654,8 +624,8 @@
         </p:nvSpPr>
         <p:spPr>
           <a:xfrm>
-            <a:off x="3192480" y="2936880"/>
-            <a:ext cx="2743200" cy="1629360"/>
+            <a:off x="3192480" y="2936520"/>
+            <a:ext cx="2743200" cy="1629000"/>
           </a:xfrm>
           <a:prstGeom prst="rect">
             <a:avLst/>
@@ -667,13 +637,10 @@
         </p:spPr>
         <p:txBody>
           <a:bodyPr lIns="0" rIns="0" tIns="0" bIns="0" anchor="t">
-            <a:normAutofit/>
-          </a:bodyPr>
-          <a:p>
-            <a:endParaRPr b="0" lang="ru-RU" sz="1400" spc="-1" strike="noStrike">
-              <a:solidFill>
-                <a:srgbClr val="000000"/>
-              </a:solidFill>
+            <a:normAutofit fontScale="77000"/>
+          </a:bodyPr>
+          <a:p>
+            <a:endParaRPr b="0" lang="ru-RU" sz="3200" spc="-1" strike="noStrike">
               <a:latin typeface="Arial"/>
             </a:endParaRPr>
           </a:p>
@@ -691,8 +658,8 @@
         </p:nvSpPr>
         <p:spPr>
           <a:xfrm>
-            <a:off x="6073200" y="2936880"/>
-            <a:ext cx="2743200" cy="1629360"/>
+            <a:off x="6073200" y="2936520"/>
+            <a:ext cx="2743200" cy="1629000"/>
           </a:xfrm>
           <a:prstGeom prst="rect">
             <a:avLst/>
@@ -704,13 +671,10 @@
         </p:spPr>
         <p:txBody>
           <a:bodyPr lIns="0" rIns="0" tIns="0" bIns="0" anchor="t">
-            <a:normAutofit/>
-          </a:bodyPr>
-          <a:p>
-            <a:endParaRPr b="0" lang="ru-RU" sz="1400" spc="-1" strike="noStrike">
-              <a:solidFill>
-                <a:srgbClr val="000000"/>
-              </a:solidFill>
+            <a:normAutofit fontScale="77000"/>
+          </a:bodyPr>
+          <a:p>
+            <a:endParaRPr b="0" lang="ru-RU" sz="3200" spc="-1" strike="noStrike">
               <a:latin typeface="Arial"/>
             </a:endParaRPr>
           </a:p>
@@ -730,7 +694,7 @@
         <p:txBody>
           <a:bodyPr/>
           <a:p>
-            <a:fld id="{7D960076-77D2-4217-87C0-76D616119273}" type="slidenum">
+            <a:fld id="{6C1AA427-798E-41C4-B19A-607E93FAAD03}" type="slidenum">
               <a:t>&lt;#&gt;</a:t>
             </a:fld>
           </a:p>
@@ -772,7 +736,7 @@
         <p:txBody>
           <a:bodyPr/>
           <a:p>
-            <a:fld id="{F8DCAAA2-A20E-4FDD-9427-B8035507F32B}" type="slidenum">
+            <a:fld id="{B0587597-4CB9-4001-88D0-069496F35BE6}" type="slidenum">
               <a:t>&lt;#&gt;</a:t>
             </a:fld>
           </a:p>
@@ -812,8 +776,8 @@
         </p:nvSpPr>
         <p:spPr>
           <a:xfrm>
-            <a:off x="311760" y="444960"/>
-            <a:ext cx="8520120" cy="572400"/>
+            <a:off x="311760" y="105840"/>
+            <a:ext cx="8519760" cy="1250280"/>
           </a:xfrm>
           <a:prstGeom prst="rect">
             <a:avLst/>
@@ -828,10 +792,10 @@
             <a:noAutofit/>
           </a:bodyPr>
           <a:p>
-            <a:endParaRPr b="0" lang="ru-RU" sz="1400" spc="-1" strike="noStrike">
-              <a:solidFill>
-                <a:srgbClr val="000000"/>
-              </a:solidFill>
+            <a:pPr algn="ctr">
+              <a:buNone/>
+            </a:pPr>
+            <a:endParaRPr b="0" lang="ru-RU" sz="4400" spc="-1" strike="noStrike">
               <a:latin typeface="Arial"/>
             </a:endParaRPr>
           </a:p>
@@ -850,7 +814,7 @@
         <p:spPr>
           <a:xfrm>
             <a:off x="311760" y="1152360"/>
-            <a:ext cx="8520120" cy="3416040"/>
+            <a:ext cx="8519760" cy="3415680"/>
           </a:xfrm>
           <a:prstGeom prst="rect">
             <a:avLst/>
@@ -888,7 +852,7 @@
         <p:txBody>
           <a:bodyPr/>
           <a:p>
-            <a:fld id="{72C89DBF-44D1-4216-8EC8-8173B959B7E3}" type="slidenum">
+            <a:fld id="{3AFFCDF5-D721-4F80-A51D-1E330C82820D}" type="slidenum">
               <a:t>&lt;#&gt;</a:t>
             </a:fld>
           </a:p>
@@ -928,8 +892,8 @@
         </p:nvSpPr>
         <p:spPr>
           <a:xfrm>
-            <a:off x="311760" y="444960"/>
-            <a:ext cx="8520120" cy="572400"/>
+            <a:off x="311760" y="105840"/>
+            <a:ext cx="8519760" cy="1250280"/>
           </a:xfrm>
           <a:prstGeom prst="rect">
             <a:avLst/>
@@ -944,10 +908,10 @@
             <a:noAutofit/>
           </a:bodyPr>
           <a:p>
-            <a:endParaRPr b="0" lang="ru-RU" sz="1400" spc="-1" strike="noStrike">
-              <a:solidFill>
-                <a:srgbClr val="000000"/>
-              </a:solidFill>
+            <a:pPr algn="ctr">
+              <a:buNone/>
+            </a:pPr>
+            <a:endParaRPr b="0" lang="ru-RU" sz="4400" spc="-1" strike="noStrike">
               <a:latin typeface="Arial"/>
             </a:endParaRPr>
           </a:p>
@@ -966,7 +930,7 @@
         <p:spPr>
           <a:xfrm>
             <a:off x="311760" y="1152360"/>
-            <a:ext cx="8520120" cy="3416040"/>
+            <a:ext cx="8519760" cy="3415680"/>
           </a:xfrm>
           <a:prstGeom prst="rect">
             <a:avLst/>
@@ -981,10 +945,7 @@
             <a:normAutofit/>
           </a:bodyPr>
           <a:p>
-            <a:endParaRPr b="0" lang="ru-RU" sz="1400" spc="-1" strike="noStrike">
-              <a:solidFill>
-                <a:srgbClr val="000000"/>
-              </a:solidFill>
+            <a:endParaRPr b="0" lang="ru-RU" sz="3200" spc="-1" strike="noStrike">
               <a:latin typeface="Arial"/>
             </a:endParaRPr>
           </a:p>
@@ -1004,7 +965,7 @@
         <p:txBody>
           <a:bodyPr/>
           <a:p>
-            <a:fld id="{EB813A7C-F8A7-4637-88D5-1E6A75E94F45}" type="slidenum">
+            <a:fld id="{B06E83ED-20BF-4AB4-AFA8-9CF3E5EAC1A9}" type="slidenum">
               <a:t>&lt;#&gt;</a:t>
             </a:fld>
           </a:p>
@@ -1044,8 +1005,8 @@
         </p:nvSpPr>
         <p:spPr>
           <a:xfrm>
-            <a:off x="311760" y="444960"/>
-            <a:ext cx="8520120" cy="572400"/>
+            <a:off x="311760" y="105840"/>
+            <a:ext cx="8519760" cy="1250280"/>
           </a:xfrm>
           <a:prstGeom prst="rect">
             <a:avLst/>
@@ -1060,10 +1021,10 @@
             <a:noAutofit/>
           </a:bodyPr>
           <a:p>
-            <a:endParaRPr b="0" lang="ru-RU" sz="1400" spc="-1" strike="noStrike">
-              <a:solidFill>
-                <a:srgbClr val="000000"/>
-              </a:solidFill>
+            <a:pPr algn="ctr">
+              <a:buNone/>
+            </a:pPr>
+            <a:endParaRPr b="0" lang="ru-RU" sz="4400" spc="-1" strike="noStrike">
               <a:latin typeface="Arial"/>
             </a:endParaRPr>
           </a:p>
@@ -1082,7 +1043,7 @@
         <p:spPr>
           <a:xfrm>
             <a:off x="311760" y="1152360"/>
-            <a:ext cx="4157640" cy="3416040"/>
+            <a:ext cx="4157280" cy="3415680"/>
           </a:xfrm>
           <a:prstGeom prst="rect">
             <a:avLst/>
@@ -1097,10 +1058,7 @@
             <a:normAutofit/>
           </a:bodyPr>
           <a:p>
-            <a:endParaRPr b="0" lang="ru-RU" sz="1400" spc="-1" strike="noStrike">
-              <a:solidFill>
-                <a:srgbClr val="000000"/>
-              </a:solidFill>
+            <a:endParaRPr b="0" lang="ru-RU" sz="3200" spc="-1" strike="noStrike">
               <a:latin typeface="Arial"/>
             </a:endParaRPr>
           </a:p>
@@ -1118,8 +1076,8 @@
         </p:nvSpPr>
         <p:spPr>
           <a:xfrm>
-            <a:off x="4677840" y="1152360"/>
-            <a:ext cx="4157640" cy="3416040"/>
+            <a:off x="4677120" y="1152360"/>
+            <a:ext cx="4157280" cy="3415680"/>
           </a:xfrm>
           <a:prstGeom prst="rect">
             <a:avLst/>
@@ -1134,10 +1092,7 @@
             <a:normAutofit/>
           </a:bodyPr>
           <a:p>
-            <a:endParaRPr b="0" lang="ru-RU" sz="1400" spc="-1" strike="noStrike">
-              <a:solidFill>
-                <a:srgbClr val="000000"/>
-              </a:solidFill>
+            <a:endParaRPr b="0" lang="ru-RU" sz="3200" spc="-1" strike="noStrike">
               <a:latin typeface="Arial"/>
             </a:endParaRPr>
           </a:p>
@@ -1157,7 +1112,7 @@
         <p:txBody>
           <a:bodyPr/>
           <a:p>
-            <a:fld id="{17E50A86-CBE4-47B0-B696-E21ECABC82F1}" type="slidenum">
+            <a:fld id="{6BAE4940-B13A-41EB-B317-B5D75FFD0952}" type="slidenum">
               <a:t>&lt;#&gt;</a:t>
             </a:fld>
           </a:p>
@@ -1197,8 +1152,8 @@
         </p:nvSpPr>
         <p:spPr>
           <a:xfrm>
-            <a:off x="311760" y="444960"/>
-            <a:ext cx="8520120" cy="572400"/>
+            <a:off x="311760" y="105840"/>
+            <a:ext cx="8519760" cy="1250280"/>
           </a:xfrm>
           <a:prstGeom prst="rect">
             <a:avLst/>
@@ -1213,10 +1168,10 @@
             <a:noAutofit/>
           </a:bodyPr>
           <a:p>
-            <a:endParaRPr b="0" lang="ru-RU" sz="1400" spc="-1" strike="noStrike">
-              <a:solidFill>
-                <a:srgbClr val="000000"/>
-              </a:solidFill>
+            <a:pPr algn="ctr">
+              <a:buNone/>
+            </a:pPr>
+            <a:endParaRPr b="0" lang="ru-RU" sz="4400" spc="-1" strike="noStrike">
               <a:latin typeface="Arial"/>
             </a:endParaRPr>
           </a:p>
@@ -1236,7 +1191,7 @@
         <p:txBody>
           <a:bodyPr/>
           <a:p>
-            <a:fld id="{948F926D-9131-4DC2-B75D-4F5ED6252DE0}" type="slidenum">
+            <a:fld id="{207EE9ED-987B-4B26-B535-840B2E912A55}" type="slidenum">
               <a:t>&lt;#&gt;</a:t>
             </a:fld>
           </a:p>
@@ -1277,7 +1232,7 @@
         <p:spPr>
           <a:xfrm>
             <a:off x="311760" y="444960"/>
-            <a:ext cx="8520120" cy="2654640"/>
+            <a:ext cx="8519760" cy="2652840"/>
           </a:xfrm>
           <a:prstGeom prst="rect">
             <a:avLst/>
@@ -1315,7 +1270,7 @@
         <p:txBody>
           <a:bodyPr/>
           <a:p>
-            <a:fld id="{BBFAF1DA-4B8F-4094-8718-87F5DF6EA77E}" type="slidenum">
+            <a:fld id="{7C8EEEAE-2934-4551-A9E2-FDC595A8385F}" type="slidenum">
               <a:t>&lt;#&gt;</a:t>
             </a:fld>
           </a:p>
@@ -1355,8 +1310,8 @@
         </p:nvSpPr>
         <p:spPr>
           <a:xfrm>
-            <a:off x="311760" y="444960"/>
-            <a:ext cx="8520120" cy="572400"/>
+            <a:off x="311760" y="105840"/>
+            <a:ext cx="8519760" cy="1250280"/>
           </a:xfrm>
           <a:prstGeom prst="rect">
             <a:avLst/>
@@ -1371,10 +1326,10 @@
             <a:noAutofit/>
           </a:bodyPr>
           <a:p>
-            <a:endParaRPr b="0" lang="ru-RU" sz="1400" spc="-1" strike="noStrike">
-              <a:solidFill>
-                <a:srgbClr val="000000"/>
-              </a:solidFill>
+            <a:pPr algn="ctr">
+              <a:buNone/>
+            </a:pPr>
+            <a:endParaRPr b="0" lang="ru-RU" sz="4400" spc="-1" strike="noStrike">
               <a:latin typeface="Arial"/>
             </a:endParaRPr>
           </a:p>
@@ -1393,7 +1348,7 @@
         <p:spPr>
           <a:xfrm>
             <a:off x="311760" y="1152360"/>
-            <a:ext cx="4157640" cy="1629360"/>
+            <a:ext cx="4157280" cy="1629000"/>
           </a:xfrm>
           <a:prstGeom prst="rect">
             <a:avLst/>
@@ -1408,10 +1363,7 @@
             <a:normAutofit/>
           </a:bodyPr>
           <a:p>
-            <a:endParaRPr b="0" lang="ru-RU" sz="1400" spc="-1" strike="noStrike">
-              <a:solidFill>
-                <a:srgbClr val="000000"/>
-              </a:solidFill>
+            <a:endParaRPr b="0" lang="ru-RU" sz="3200" spc="-1" strike="noStrike">
               <a:latin typeface="Arial"/>
             </a:endParaRPr>
           </a:p>
@@ -1429,8 +1381,8 @@
         </p:nvSpPr>
         <p:spPr>
           <a:xfrm>
-            <a:off x="4677840" y="1152360"/>
-            <a:ext cx="4157640" cy="3416040"/>
+            <a:off x="4677120" y="1152360"/>
+            <a:ext cx="4157280" cy="3415680"/>
           </a:xfrm>
           <a:prstGeom prst="rect">
             <a:avLst/>
@@ -1445,10 +1397,7 @@
             <a:normAutofit/>
           </a:bodyPr>
           <a:p>
-            <a:endParaRPr b="0" lang="ru-RU" sz="1400" spc="-1" strike="noStrike">
-              <a:solidFill>
-                <a:srgbClr val="000000"/>
-              </a:solidFill>
+            <a:endParaRPr b="0" lang="ru-RU" sz="3200" spc="-1" strike="noStrike">
               <a:latin typeface="Arial"/>
             </a:endParaRPr>
           </a:p>
@@ -1466,8 +1415,8 @@
         </p:nvSpPr>
         <p:spPr>
           <a:xfrm>
-            <a:off x="311760" y="2936880"/>
-            <a:ext cx="4157640" cy="1629360"/>
+            <a:off x="311760" y="2936520"/>
+            <a:ext cx="4157280" cy="1629000"/>
           </a:xfrm>
           <a:prstGeom prst="rect">
             <a:avLst/>
@@ -1482,10 +1431,7 @@
             <a:normAutofit/>
           </a:bodyPr>
           <a:p>
-            <a:endParaRPr b="0" lang="ru-RU" sz="1400" spc="-1" strike="noStrike">
-              <a:solidFill>
-                <a:srgbClr val="000000"/>
-              </a:solidFill>
+            <a:endParaRPr b="0" lang="ru-RU" sz="3200" spc="-1" strike="noStrike">
               <a:latin typeface="Arial"/>
             </a:endParaRPr>
           </a:p>
@@ -1505,7 +1451,7 @@
         <p:txBody>
           <a:bodyPr/>
           <a:p>
-            <a:fld id="{E8A20F27-21A0-4D51-AF24-829CE048BB1A}" type="slidenum">
+            <a:fld id="{AA21CA4A-06F9-447D-A18C-5A61E6F2B110}" type="slidenum">
               <a:t>&lt;#&gt;</a:t>
             </a:fld>
           </a:p>
@@ -1545,8 +1491,8 @@
         </p:nvSpPr>
         <p:spPr>
           <a:xfrm>
-            <a:off x="311760" y="444960"/>
-            <a:ext cx="8520120" cy="572400"/>
+            <a:off x="311760" y="105840"/>
+            <a:ext cx="8519760" cy="1250280"/>
           </a:xfrm>
           <a:prstGeom prst="rect">
             <a:avLst/>
@@ -1561,10 +1507,10 @@
             <a:noAutofit/>
           </a:bodyPr>
           <a:p>
-            <a:endParaRPr b="0" lang="ru-RU" sz="1400" spc="-1" strike="noStrike">
-              <a:solidFill>
-                <a:srgbClr val="000000"/>
-              </a:solidFill>
+            <a:pPr algn="ctr">
+              <a:buNone/>
+            </a:pPr>
+            <a:endParaRPr b="0" lang="ru-RU" sz="4400" spc="-1" strike="noStrike">
               <a:latin typeface="Arial"/>
             </a:endParaRPr>
           </a:p>
@@ -1583,7 +1529,7 @@
         <p:spPr>
           <a:xfrm>
             <a:off x="311760" y="1152360"/>
-            <a:ext cx="8520120" cy="3416040"/>
+            <a:ext cx="8519760" cy="3415680"/>
           </a:xfrm>
           <a:prstGeom prst="rect">
             <a:avLst/>
@@ -1621,7 +1567,7 @@
         <p:txBody>
           <a:bodyPr/>
           <a:p>
-            <a:fld id="{6784BCF6-8C3A-40F1-A403-1A7F9C738CE9}" type="slidenum">
+            <a:fld id="{DCFFF846-1D54-4E7A-B938-EEED805D6414}" type="slidenum">
               <a:t>&lt;#&gt;</a:t>
             </a:fld>
           </a:p>
@@ -1661,8 +1607,8 @@
         </p:nvSpPr>
         <p:spPr>
           <a:xfrm>
-            <a:off x="311760" y="444960"/>
-            <a:ext cx="8520120" cy="572400"/>
+            <a:off x="311760" y="105840"/>
+            <a:ext cx="8519760" cy="1250280"/>
           </a:xfrm>
           <a:prstGeom prst="rect">
             <a:avLst/>
@@ -1677,10 +1623,10 @@
             <a:noAutofit/>
           </a:bodyPr>
           <a:p>
-            <a:endParaRPr b="0" lang="ru-RU" sz="1400" spc="-1" strike="noStrike">
-              <a:solidFill>
-                <a:srgbClr val="000000"/>
-              </a:solidFill>
+            <a:pPr algn="ctr">
+              <a:buNone/>
+            </a:pPr>
+            <a:endParaRPr b="0" lang="ru-RU" sz="4400" spc="-1" strike="noStrike">
               <a:latin typeface="Arial"/>
             </a:endParaRPr>
           </a:p>
@@ -1699,7 +1645,7 @@
         <p:spPr>
           <a:xfrm>
             <a:off x="311760" y="1152360"/>
-            <a:ext cx="4157640" cy="3416040"/>
+            <a:ext cx="4157280" cy="3415680"/>
           </a:xfrm>
           <a:prstGeom prst="rect">
             <a:avLst/>
@@ -1714,10 +1660,7 @@
             <a:normAutofit/>
           </a:bodyPr>
           <a:p>
-            <a:endParaRPr b="0" lang="ru-RU" sz="1400" spc="-1" strike="noStrike">
-              <a:solidFill>
-                <a:srgbClr val="000000"/>
-              </a:solidFill>
+            <a:endParaRPr b="0" lang="ru-RU" sz="3200" spc="-1" strike="noStrike">
               <a:latin typeface="Arial"/>
             </a:endParaRPr>
           </a:p>
@@ -1735,8 +1678,8 @@
         </p:nvSpPr>
         <p:spPr>
           <a:xfrm>
-            <a:off x="4677840" y="1152360"/>
-            <a:ext cx="4157640" cy="1629360"/>
+            <a:off x="4677120" y="1152360"/>
+            <a:ext cx="4157280" cy="1629000"/>
           </a:xfrm>
           <a:prstGeom prst="rect">
             <a:avLst/>
@@ -1751,10 +1694,7 @@
             <a:normAutofit/>
           </a:bodyPr>
           <a:p>
-            <a:endParaRPr b="0" lang="ru-RU" sz="1400" spc="-1" strike="noStrike">
-              <a:solidFill>
-                <a:srgbClr val="000000"/>
-              </a:solidFill>
+            <a:endParaRPr b="0" lang="ru-RU" sz="3200" spc="-1" strike="noStrike">
               <a:latin typeface="Arial"/>
             </a:endParaRPr>
           </a:p>
@@ -1772,8 +1712,8 @@
         </p:nvSpPr>
         <p:spPr>
           <a:xfrm>
-            <a:off x="4677840" y="2936880"/>
-            <a:ext cx="4157640" cy="1629360"/>
+            <a:off x="4677120" y="2936520"/>
+            <a:ext cx="4157280" cy="1629000"/>
           </a:xfrm>
           <a:prstGeom prst="rect">
             <a:avLst/>
@@ -1788,10 +1728,7 @@
             <a:normAutofit/>
           </a:bodyPr>
           <a:p>
-            <a:endParaRPr b="0" lang="ru-RU" sz="1400" spc="-1" strike="noStrike">
-              <a:solidFill>
-                <a:srgbClr val="000000"/>
-              </a:solidFill>
+            <a:endParaRPr b="0" lang="ru-RU" sz="3200" spc="-1" strike="noStrike">
               <a:latin typeface="Arial"/>
             </a:endParaRPr>
           </a:p>
@@ -1811,7 +1748,7 @@
         <p:txBody>
           <a:bodyPr/>
           <a:p>
-            <a:fld id="{6DD71497-0FDC-4F83-895A-1B8C0EB7E9D4}" type="slidenum">
+            <a:fld id="{D4DAC5C5-6D6C-41D8-B969-7404BF8A0B87}" type="slidenum">
               <a:t>&lt;#&gt;</a:t>
             </a:fld>
           </a:p>
@@ -1851,8 +1788,8 @@
         </p:nvSpPr>
         <p:spPr>
           <a:xfrm>
-            <a:off x="311760" y="444960"/>
-            <a:ext cx="8520120" cy="572400"/>
+            <a:off x="311760" y="105840"/>
+            <a:ext cx="8519760" cy="1250280"/>
           </a:xfrm>
           <a:prstGeom prst="rect">
             <a:avLst/>
@@ -1867,10 +1804,10 @@
             <a:noAutofit/>
           </a:bodyPr>
           <a:p>
-            <a:endParaRPr b="0" lang="ru-RU" sz="1400" spc="-1" strike="noStrike">
-              <a:solidFill>
-                <a:srgbClr val="000000"/>
-              </a:solidFill>
+            <a:pPr algn="ctr">
+              <a:buNone/>
+            </a:pPr>
+            <a:endParaRPr b="0" lang="ru-RU" sz="4400" spc="-1" strike="noStrike">
               <a:latin typeface="Arial"/>
             </a:endParaRPr>
           </a:p>
@@ -1889,7 +1826,7 @@
         <p:spPr>
           <a:xfrm>
             <a:off x="311760" y="1152360"/>
-            <a:ext cx="4157640" cy="1629360"/>
+            <a:ext cx="4157280" cy="1629000"/>
           </a:xfrm>
           <a:prstGeom prst="rect">
             <a:avLst/>
@@ -1904,10 +1841,7 @@
             <a:normAutofit/>
           </a:bodyPr>
           <a:p>
-            <a:endParaRPr b="0" lang="ru-RU" sz="1400" spc="-1" strike="noStrike">
-              <a:solidFill>
-                <a:srgbClr val="000000"/>
-              </a:solidFill>
+            <a:endParaRPr b="0" lang="ru-RU" sz="3200" spc="-1" strike="noStrike">
               <a:latin typeface="Arial"/>
             </a:endParaRPr>
           </a:p>
@@ -1925,8 +1859,8 @@
         </p:nvSpPr>
         <p:spPr>
           <a:xfrm>
-            <a:off x="4677840" y="1152360"/>
-            <a:ext cx="4157640" cy="1629360"/>
+            <a:off x="4677120" y="1152360"/>
+            <a:ext cx="4157280" cy="1629000"/>
           </a:xfrm>
           <a:prstGeom prst="rect">
             <a:avLst/>
@@ -1941,10 +1875,7 @@
             <a:normAutofit/>
           </a:bodyPr>
           <a:p>
-            <a:endParaRPr b="0" lang="ru-RU" sz="1400" spc="-1" strike="noStrike">
-              <a:solidFill>
-                <a:srgbClr val="000000"/>
-              </a:solidFill>
+            <a:endParaRPr b="0" lang="ru-RU" sz="3200" spc="-1" strike="noStrike">
               <a:latin typeface="Arial"/>
             </a:endParaRPr>
           </a:p>
@@ -1962,8 +1893,8 @@
         </p:nvSpPr>
         <p:spPr>
           <a:xfrm>
-            <a:off x="311760" y="2936880"/>
-            <a:ext cx="8520120" cy="1629360"/>
+            <a:off x="311760" y="2936520"/>
+            <a:ext cx="8519760" cy="1629000"/>
           </a:xfrm>
           <a:prstGeom prst="rect">
             <a:avLst/>
@@ -1978,10 +1909,7 @@
             <a:normAutofit/>
           </a:bodyPr>
           <a:p>
-            <a:endParaRPr b="0" lang="ru-RU" sz="1400" spc="-1" strike="noStrike">
-              <a:solidFill>
-                <a:srgbClr val="000000"/>
-              </a:solidFill>
+            <a:endParaRPr b="0" lang="ru-RU" sz="3200" spc="-1" strike="noStrike">
               <a:latin typeface="Arial"/>
             </a:endParaRPr>
           </a:p>
@@ -2001,7 +1929,7 @@
         <p:txBody>
           <a:bodyPr/>
           <a:p>
-            <a:fld id="{706FD697-A8C0-484D-9F8A-F6A3CC9D6255}" type="slidenum">
+            <a:fld id="{56282648-13E0-4C57-949F-61B21D0D5598}" type="slidenum">
               <a:t>&lt;#&gt;</a:t>
             </a:fld>
           </a:p>
@@ -2041,8 +1969,8 @@
         </p:nvSpPr>
         <p:spPr>
           <a:xfrm>
-            <a:off x="311760" y="444960"/>
-            <a:ext cx="8520120" cy="572400"/>
+            <a:off x="311760" y="105840"/>
+            <a:ext cx="8519760" cy="1250280"/>
           </a:xfrm>
           <a:prstGeom prst="rect">
             <a:avLst/>
@@ -2057,10 +1985,10 @@
             <a:noAutofit/>
           </a:bodyPr>
           <a:p>
-            <a:endParaRPr b="0" lang="ru-RU" sz="1400" spc="-1" strike="noStrike">
-              <a:solidFill>
-                <a:srgbClr val="000000"/>
-              </a:solidFill>
+            <a:pPr algn="ctr">
+              <a:buNone/>
+            </a:pPr>
+            <a:endParaRPr b="0" lang="ru-RU" sz="4400" spc="-1" strike="noStrike">
               <a:latin typeface="Arial"/>
             </a:endParaRPr>
           </a:p>
@@ -2079,7 +2007,7 @@
         <p:spPr>
           <a:xfrm>
             <a:off x="311760" y="1152360"/>
-            <a:ext cx="8520120" cy="1629360"/>
+            <a:ext cx="8519760" cy="1629000"/>
           </a:xfrm>
           <a:prstGeom prst="rect">
             <a:avLst/>
@@ -2094,10 +2022,7 @@
             <a:normAutofit/>
           </a:bodyPr>
           <a:p>
-            <a:endParaRPr b="0" lang="ru-RU" sz="1400" spc="-1" strike="noStrike">
-              <a:solidFill>
-                <a:srgbClr val="000000"/>
-              </a:solidFill>
+            <a:endParaRPr b="0" lang="ru-RU" sz="3200" spc="-1" strike="noStrike">
               <a:latin typeface="Arial"/>
             </a:endParaRPr>
           </a:p>
@@ -2115,8 +2040,8 @@
         </p:nvSpPr>
         <p:spPr>
           <a:xfrm>
-            <a:off x="311760" y="2936880"/>
-            <a:ext cx="8520120" cy="1629360"/>
+            <a:off x="311760" y="2936520"/>
+            <a:ext cx="8519760" cy="1629000"/>
           </a:xfrm>
           <a:prstGeom prst="rect">
             <a:avLst/>
@@ -2131,10 +2056,7 @@
             <a:normAutofit/>
           </a:bodyPr>
           <a:p>
-            <a:endParaRPr b="0" lang="ru-RU" sz="1400" spc="-1" strike="noStrike">
-              <a:solidFill>
-                <a:srgbClr val="000000"/>
-              </a:solidFill>
+            <a:endParaRPr b="0" lang="ru-RU" sz="3200" spc="-1" strike="noStrike">
               <a:latin typeface="Arial"/>
             </a:endParaRPr>
           </a:p>
@@ -2154,7 +2076,7 @@
         <p:txBody>
           <a:bodyPr/>
           <a:p>
-            <a:fld id="{EF4167BE-620A-4926-B2D1-F12C585A3B7E}" type="slidenum">
+            <a:fld id="{C647C896-261C-49FB-94C2-9A7486F5389F}" type="slidenum">
               <a:t>&lt;#&gt;</a:t>
             </a:fld>
           </a:p>
@@ -2194,8 +2116,8 @@
         </p:nvSpPr>
         <p:spPr>
           <a:xfrm>
-            <a:off x="311760" y="444960"/>
-            <a:ext cx="8520120" cy="572400"/>
+            <a:off x="311760" y="105840"/>
+            <a:ext cx="8519760" cy="1250280"/>
           </a:xfrm>
           <a:prstGeom prst="rect">
             <a:avLst/>
@@ -2210,10 +2132,10 @@
             <a:noAutofit/>
           </a:bodyPr>
           <a:p>
-            <a:endParaRPr b="0" lang="ru-RU" sz="1400" spc="-1" strike="noStrike">
-              <a:solidFill>
-                <a:srgbClr val="000000"/>
-              </a:solidFill>
+            <a:pPr algn="ctr">
+              <a:buNone/>
+            </a:pPr>
+            <a:endParaRPr b="0" lang="ru-RU" sz="4400" spc="-1" strike="noStrike">
               <a:latin typeface="Arial"/>
             </a:endParaRPr>
           </a:p>
@@ -2232,7 +2154,7 @@
         <p:spPr>
           <a:xfrm>
             <a:off x="311760" y="1152360"/>
-            <a:ext cx="4157640" cy="1629360"/>
+            <a:ext cx="4157280" cy="1629000"/>
           </a:xfrm>
           <a:prstGeom prst="rect">
             <a:avLst/>
@@ -2247,10 +2169,7 @@
             <a:normAutofit/>
           </a:bodyPr>
           <a:p>
-            <a:endParaRPr b="0" lang="ru-RU" sz="1400" spc="-1" strike="noStrike">
-              <a:solidFill>
-                <a:srgbClr val="000000"/>
-              </a:solidFill>
+            <a:endParaRPr b="0" lang="ru-RU" sz="3200" spc="-1" strike="noStrike">
               <a:latin typeface="Arial"/>
             </a:endParaRPr>
           </a:p>
@@ -2268,8 +2187,8 @@
         </p:nvSpPr>
         <p:spPr>
           <a:xfrm>
-            <a:off x="4677840" y="1152360"/>
-            <a:ext cx="4157640" cy="1629360"/>
+            <a:off x="4677120" y="1152360"/>
+            <a:ext cx="4157280" cy="1629000"/>
           </a:xfrm>
           <a:prstGeom prst="rect">
             <a:avLst/>
@@ -2284,10 +2203,7 @@
             <a:normAutofit/>
           </a:bodyPr>
           <a:p>
-            <a:endParaRPr b="0" lang="ru-RU" sz="1400" spc="-1" strike="noStrike">
-              <a:solidFill>
-                <a:srgbClr val="000000"/>
-              </a:solidFill>
+            <a:endParaRPr b="0" lang="ru-RU" sz="3200" spc="-1" strike="noStrike">
               <a:latin typeface="Arial"/>
             </a:endParaRPr>
           </a:p>
@@ -2305,8 +2221,8 @@
         </p:nvSpPr>
         <p:spPr>
           <a:xfrm>
-            <a:off x="311760" y="2936880"/>
-            <a:ext cx="4157640" cy="1629360"/>
+            <a:off x="311760" y="2936520"/>
+            <a:ext cx="4157280" cy="1629000"/>
           </a:xfrm>
           <a:prstGeom prst="rect">
             <a:avLst/>
@@ -2321,10 +2237,7 @@
             <a:normAutofit/>
           </a:bodyPr>
           <a:p>
-            <a:endParaRPr b="0" lang="ru-RU" sz="1400" spc="-1" strike="noStrike">
-              <a:solidFill>
-                <a:srgbClr val="000000"/>
-              </a:solidFill>
+            <a:endParaRPr b="0" lang="ru-RU" sz="3200" spc="-1" strike="noStrike">
               <a:latin typeface="Arial"/>
             </a:endParaRPr>
           </a:p>
@@ -2342,8 +2255,8 @@
         </p:nvSpPr>
         <p:spPr>
           <a:xfrm>
-            <a:off x="4677840" y="2936880"/>
-            <a:ext cx="4157640" cy="1629360"/>
+            <a:off x="4677120" y="2936520"/>
+            <a:ext cx="4157280" cy="1629000"/>
           </a:xfrm>
           <a:prstGeom prst="rect">
             <a:avLst/>
@@ -2358,10 +2271,7 @@
             <a:normAutofit/>
           </a:bodyPr>
           <a:p>
-            <a:endParaRPr b="0" lang="ru-RU" sz="1400" spc="-1" strike="noStrike">
-              <a:solidFill>
-                <a:srgbClr val="000000"/>
-              </a:solidFill>
+            <a:endParaRPr b="0" lang="ru-RU" sz="3200" spc="-1" strike="noStrike">
               <a:latin typeface="Arial"/>
             </a:endParaRPr>
           </a:p>
@@ -2381,7 +2291,7 @@
         <p:txBody>
           <a:bodyPr/>
           <a:p>
-            <a:fld id="{10232F01-5C78-4055-9108-A78B0DE566AF}" type="slidenum">
+            <a:fld id="{A6ACBED5-986C-4870-A08F-2917463F0F23}" type="slidenum">
               <a:t>&lt;#&gt;</a:t>
             </a:fld>
           </a:p>
@@ -2421,8 +2331,8 @@
         </p:nvSpPr>
         <p:spPr>
           <a:xfrm>
-            <a:off x="311760" y="444960"/>
-            <a:ext cx="8520120" cy="572400"/>
+            <a:off x="311760" y="105840"/>
+            <a:ext cx="8519760" cy="1250280"/>
           </a:xfrm>
           <a:prstGeom prst="rect">
             <a:avLst/>
@@ -2437,10 +2347,10 @@
             <a:noAutofit/>
           </a:bodyPr>
           <a:p>
-            <a:endParaRPr b="0" lang="ru-RU" sz="1400" spc="-1" strike="noStrike">
-              <a:solidFill>
-                <a:srgbClr val="000000"/>
-              </a:solidFill>
+            <a:pPr algn="ctr">
+              <a:buNone/>
+            </a:pPr>
+            <a:endParaRPr b="0" lang="ru-RU" sz="4400" spc="-1" strike="noStrike">
               <a:latin typeface="Arial"/>
             </a:endParaRPr>
           </a:p>
@@ -2459,7 +2369,7 @@
         <p:spPr>
           <a:xfrm>
             <a:off x="311760" y="1152360"/>
-            <a:ext cx="2743200" cy="1629360"/>
+            <a:ext cx="2743200" cy="1629000"/>
           </a:xfrm>
           <a:prstGeom prst="rect">
             <a:avLst/>
@@ -2471,13 +2381,10 @@
         </p:spPr>
         <p:txBody>
           <a:bodyPr lIns="0" rIns="0" tIns="0" bIns="0" anchor="t">
-            <a:normAutofit/>
-          </a:bodyPr>
-          <a:p>
-            <a:endParaRPr b="0" lang="ru-RU" sz="1400" spc="-1" strike="noStrike">
-              <a:solidFill>
-                <a:srgbClr val="000000"/>
-              </a:solidFill>
+            <a:normAutofit fontScale="77000"/>
+          </a:bodyPr>
+          <a:p>
+            <a:endParaRPr b="0" lang="ru-RU" sz="3200" spc="-1" strike="noStrike">
               <a:latin typeface="Arial"/>
             </a:endParaRPr>
           </a:p>
@@ -2496,7 +2403,7 @@
         <p:spPr>
           <a:xfrm>
             <a:off x="3192480" y="1152360"/>
-            <a:ext cx="2743200" cy="1629360"/>
+            <a:ext cx="2743200" cy="1629000"/>
           </a:xfrm>
           <a:prstGeom prst="rect">
             <a:avLst/>
@@ -2508,13 +2415,10 @@
         </p:spPr>
         <p:txBody>
           <a:bodyPr lIns="0" rIns="0" tIns="0" bIns="0" anchor="t">
-            <a:normAutofit/>
-          </a:bodyPr>
-          <a:p>
-            <a:endParaRPr b="0" lang="ru-RU" sz="1400" spc="-1" strike="noStrike">
-              <a:solidFill>
-                <a:srgbClr val="000000"/>
-              </a:solidFill>
+            <a:normAutofit fontScale="77000"/>
+          </a:bodyPr>
+          <a:p>
+            <a:endParaRPr b="0" lang="ru-RU" sz="3200" spc="-1" strike="noStrike">
               <a:latin typeface="Arial"/>
             </a:endParaRPr>
           </a:p>
@@ -2533,7 +2437,7 @@
         <p:spPr>
           <a:xfrm>
             <a:off x="6073200" y="1152360"/>
-            <a:ext cx="2743200" cy="1629360"/>
+            <a:ext cx="2743200" cy="1629000"/>
           </a:xfrm>
           <a:prstGeom prst="rect">
             <a:avLst/>
@@ -2545,13 +2449,10 @@
         </p:spPr>
         <p:txBody>
           <a:bodyPr lIns="0" rIns="0" tIns="0" bIns="0" anchor="t">
-            <a:normAutofit/>
-          </a:bodyPr>
-          <a:p>
-            <a:endParaRPr b="0" lang="ru-RU" sz="1400" spc="-1" strike="noStrike">
-              <a:solidFill>
-                <a:srgbClr val="000000"/>
-              </a:solidFill>
+            <a:normAutofit fontScale="77000"/>
+          </a:bodyPr>
+          <a:p>
+            <a:endParaRPr b="0" lang="ru-RU" sz="3200" spc="-1" strike="noStrike">
               <a:latin typeface="Arial"/>
             </a:endParaRPr>
           </a:p>
@@ -2569,8 +2470,8 @@
         </p:nvSpPr>
         <p:spPr>
           <a:xfrm>
-            <a:off x="311760" y="2936880"/>
-            <a:ext cx="2743200" cy="1629360"/>
+            <a:off x="311760" y="2936520"/>
+            <a:ext cx="2743200" cy="1629000"/>
           </a:xfrm>
           <a:prstGeom prst="rect">
             <a:avLst/>
@@ -2582,13 +2483,10 @@
         </p:spPr>
         <p:txBody>
           <a:bodyPr lIns="0" rIns="0" tIns="0" bIns="0" anchor="t">
-            <a:normAutofit/>
-          </a:bodyPr>
-          <a:p>
-            <a:endParaRPr b="0" lang="ru-RU" sz="1400" spc="-1" strike="noStrike">
-              <a:solidFill>
-                <a:srgbClr val="000000"/>
-              </a:solidFill>
+            <a:normAutofit fontScale="77000"/>
+          </a:bodyPr>
+          <a:p>
+            <a:endParaRPr b="0" lang="ru-RU" sz="3200" spc="-1" strike="noStrike">
               <a:latin typeface="Arial"/>
             </a:endParaRPr>
           </a:p>
@@ -2606,8 +2504,8 @@
         </p:nvSpPr>
         <p:spPr>
           <a:xfrm>
-            <a:off x="3192480" y="2936880"/>
-            <a:ext cx="2743200" cy="1629360"/>
+            <a:off x="3192480" y="2936520"/>
+            <a:ext cx="2743200" cy="1629000"/>
           </a:xfrm>
           <a:prstGeom prst="rect">
             <a:avLst/>
@@ -2619,13 +2517,10 @@
         </p:spPr>
         <p:txBody>
           <a:bodyPr lIns="0" rIns="0" tIns="0" bIns="0" anchor="t">
-            <a:normAutofit/>
-          </a:bodyPr>
-          <a:p>
-            <a:endParaRPr b="0" lang="ru-RU" sz="1400" spc="-1" strike="noStrike">
-              <a:solidFill>
-                <a:srgbClr val="000000"/>
-              </a:solidFill>
+            <a:normAutofit fontScale="77000"/>
+          </a:bodyPr>
+          <a:p>
+            <a:endParaRPr b="0" lang="ru-RU" sz="3200" spc="-1" strike="noStrike">
               <a:latin typeface="Arial"/>
             </a:endParaRPr>
           </a:p>
@@ -2643,8 +2538,8 @@
         </p:nvSpPr>
         <p:spPr>
           <a:xfrm>
-            <a:off x="6073200" y="2936880"/>
-            <a:ext cx="2743200" cy="1629360"/>
+            <a:off x="6073200" y="2936520"/>
+            <a:ext cx="2743200" cy="1629000"/>
           </a:xfrm>
           <a:prstGeom prst="rect">
             <a:avLst/>
@@ -2656,13 +2551,10 @@
         </p:spPr>
         <p:txBody>
           <a:bodyPr lIns="0" rIns="0" tIns="0" bIns="0" anchor="t">
-            <a:normAutofit/>
-          </a:bodyPr>
-          <a:p>
-            <a:endParaRPr b="0" lang="ru-RU" sz="1400" spc="-1" strike="noStrike">
-              <a:solidFill>
-                <a:srgbClr val="000000"/>
-              </a:solidFill>
+            <a:normAutofit fontScale="77000"/>
+          </a:bodyPr>
+          <a:p>
+            <a:endParaRPr b="0" lang="ru-RU" sz="3200" spc="-1" strike="noStrike">
               <a:latin typeface="Arial"/>
             </a:endParaRPr>
           </a:p>
@@ -2682,7 +2574,7 @@
         <p:txBody>
           <a:bodyPr/>
           <a:p>
-            <a:fld id="{AC0D133E-B66B-49AD-B60B-2708D2146DB4}" type="slidenum">
+            <a:fld id="{799B1A6A-3145-4DCD-AF42-00C6726D5A27}" type="slidenum">
               <a:t>&lt;#&gt;</a:t>
             </a:fld>
           </a:p>
@@ -2722,8 +2614,8 @@
         </p:nvSpPr>
         <p:spPr>
           <a:xfrm>
-            <a:off x="311760" y="444960"/>
-            <a:ext cx="8520120" cy="572400"/>
+            <a:off x="311760" y="105840"/>
+            <a:ext cx="8519760" cy="1250280"/>
           </a:xfrm>
           <a:prstGeom prst="rect">
             <a:avLst/>
@@ -2738,10 +2630,10 @@
             <a:noAutofit/>
           </a:bodyPr>
           <a:p>
-            <a:endParaRPr b="0" lang="ru-RU" sz="1400" spc="-1" strike="noStrike">
-              <a:solidFill>
-                <a:srgbClr val="000000"/>
-              </a:solidFill>
+            <a:pPr algn="ctr">
+              <a:buNone/>
+            </a:pPr>
+            <a:endParaRPr b="0" lang="ru-RU" sz="4400" spc="-1" strike="noStrike">
               <a:latin typeface="Arial"/>
             </a:endParaRPr>
           </a:p>
@@ -2760,7 +2652,7 @@
         <p:spPr>
           <a:xfrm>
             <a:off x="311760" y="1152360"/>
-            <a:ext cx="8520120" cy="3416040"/>
+            <a:ext cx="8519760" cy="3415680"/>
           </a:xfrm>
           <a:prstGeom prst="rect">
             <a:avLst/>
@@ -2775,10 +2667,7 @@
             <a:normAutofit/>
           </a:bodyPr>
           <a:p>
-            <a:endParaRPr b="0" lang="ru-RU" sz="1400" spc="-1" strike="noStrike">
-              <a:solidFill>
-                <a:srgbClr val="000000"/>
-              </a:solidFill>
+            <a:endParaRPr b="0" lang="ru-RU" sz="3200" spc="-1" strike="noStrike">
               <a:latin typeface="Arial"/>
             </a:endParaRPr>
           </a:p>
@@ -2798,7 +2687,7 @@
         <p:txBody>
           <a:bodyPr/>
           <a:p>
-            <a:fld id="{700C21EB-27EC-4C6F-8D87-C150006D59E5}" type="slidenum">
+            <a:fld id="{6B37088D-F20A-47F4-A32F-5474EA18CA9E}" type="slidenum">
               <a:t>&lt;#&gt;</a:t>
             </a:fld>
           </a:p>
@@ -2838,8 +2727,8 @@
         </p:nvSpPr>
         <p:spPr>
           <a:xfrm>
-            <a:off x="311760" y="444960"/>
-            <a:ext cx="8520120" cy="572400"/>
+            <a:off x="311760" y="105840"/>
+            <a:ext cx="8519760" cy="1250280"/>
           </a:xfrm>
           <a:prstGeom prst="rect">
             <a:avLst/>
@@ -2854,10 +2743,10 @@
             <a:noAutofit/>
           </a:bodyPr>
           <a:p>
-            <a:endParaRPr b="0" lang="ru-RU" sz="1400" spc="-1" strike="noStrike">
-              <a:solidFill>
-                <a:srgbClr val="000000"/>
-              </a:solidFill>
+            <a:pPr algn="ctr">
+              <a:buNone/>
+            </a:pPr>
+            <a:endParaRPr b="0" lang="ru-RU" sz="4400" spc="-1" strike="noStrike">
               <a:latin typeface="Arial"/>
             </a:endParaRPr>
           </a:p>
@@ -2876,7 +2765,7 @@
         <p:spPr>
           <a:xfrm>
             <a:off x="311760" y="1152360"/>
-            <a:ext cx="4157640" cy="3416040"/>
+            <a:ext cx="4157280" cy="3415680"/>
           </a:xfrm>
           <a:prstGeom prst="rect">
             <a:avLst/>
@@ -2891,10 +2780,7 @@
             <a:normAutofit/>
           </a:bodyPr>
           <a:p>
-            <a:endParaRPr b="0" lang="ru-RU" sz="1400" spc="-1" strike="noStrike">
-              <a:solidFill>
-                <a:srgbClr val="000000"/>
-              </a:solidFill>
+            <a:endParaRPr b="0" lang="ru-RU" sz="3200" spc="-1" strike="noStrike">
               <a:latin typeface="Arial"/>
             </a:endParaRPr>
           </a:p>
@@ -2912,8 +2798,8 @@
         </p:nvSpPr>
         <p:spPr>
           <a:xfrm>
-            <a:off x="4677840" y="1152360"/>
-            <a:ext cx="4157640" cy="3416040"/>
+            <a:off x="4677120" y="1152360"/>
+            <a:ext cx="4157280" cy="3415680"/>
           </a:xfrm>
           <a:prstGeom prst="rect">
             <a:avLst/>
@@ -2928,10 +2814,7 @@
             <a:normAutofit/>
           </a:bodyPr>
           <a:p>
-            <a:endParaRPr b="0" lang="ru-RU" sz="1400" spc="-1" strike="noStrike">
-              <a:solidFill>
-                <a:srgbClr val="000000"/>
-              </a:solidFill>
+            <a:endParaRPr b="0" lang="ru-RU" sz="3200" spc="-1" strike="noStrike">
               <a:latin typeface="Arial"/>
             </a:endParaRPr>
           </a:p>
@@ -2951,7 +2834,7 @@
         <p:txBody>
           <a:bodyPr/>
           <a:p>
-            <a:fld id="{7E652F38-EC20-4313-BFE6-67FB946107B8}" type="slidenum">
+            <a:fld id="{49FB2D56-2F20-4A96-A7BC-1107CF35B1F9}" type="slidenum">
               <a:t>&lt;#&gt;</a:t>
             </a:fld>
           </a:p>
@@ -2991,8 +2874,8 @@
         </p:nvSpPr>
         <p:spPr>
           <a:xfrm>
-            <a:off x="311760" y="444960"/>
-            <a:ext cx="8520120" cy="572400"/>
+            <a:off x="311760" y="105840"/>
+            <a:ext cx="8519760" cy="1250280"/>
           </a:xfrm>
           <a:prstGeom prst="rect">
             <a:avLst/>
@@ -3007,10 +2890,10 @@
             <a:noAutofit/>
           </a:bodyPr>
           <a:p>
-            <a:endParaRPr b="0" lang="ru-RU" sz="1400" spc="-1" strike="noStrike">
-              <a:solidFill>
-                <a:srgbClr val="000000"/>
-              </a:solidFill>
+            <a:pPr algn="ctr">
+              <a:buNone/>
+            </a:pPr>
+            <a:endParaRPr b="0" lang="ru-RU" sz="4400" spc="-1" strike="noStrike">
               <a:latin typeface="Arial"/>
             </a:endParaRPr>
           </a:p>
@@ -3030,7 +2913,7 @@
         <p:txBody>
           <a:bodyPr/>
           <a:p>
-            <a:fld id="{D9D9F018-3C85-4DD6-8DAD-6AB7F048AE34}" type="slidenum">
+            <a:fld id="{4E00EC05-AB36-432A-98E9-BA643064AB64}" type="slidenum">
               <a:t>&lt;#&gt;</a:t>
             </a:fld>
           </a:p>
@@ -3071,7 +2954,7 @@
         <p:spPr>
           <a:xfrm>
             <a:off x="311760" y="444960"/>
-            <a:ext cx="8520120" cy="2654640"/>
+            <a:ext cx="8519760" cy="2652840"/>
           </a:xfrm>
           <a:prstGeom prst="rect">
             <a:avLst/>
@@ -3109,7 +2992,7 @@
         <p:txBody>
           <a:bodyPr/>
           <a:p>
-            <a:fld id="{102182D1-1597-4059-ADBA-2EA7ED0C1F56}" type="slidenum">
+            <a:fld id="{81EB3CD2-6239-4AED-BDC2-368D5C548351}" type="slidenum">
               <a:t>&lt;#&gt;</a:t>
             </a:fld>
           </a:p>
@@ -3149,8 +3032,8 @@
         </p:nvSpPr>
         <p:spPr>
           <a:xfrm>
-            <a:off x="311760" y="444960"/>
-            <a:ext cx="8520120" cy="572400"/>
+            <a:off x="311760" y="105840"/>
+            <a:ext cx="8519760" cy="1250280"/>
           </a:xfrm>
           <a:prstGeom prst="rect">
             <a:avLst/>
@@ -3165,10 +3048,10 @@
             <a:noAutofit/>
           </a:bodyPr>
           <a:p>
-            <a:endParaRPr b="0" lang="ru-RU" sz="1400" spc="-1" strike="noStrike">
-              <a:solidFill>
-                <a:srgbClr val="000000"/>
-              </a:solidFill>
+            <a:pPr algn="ctr">
+              <a:buNone/>
+            </a:pPr>
+            <a:endParaRPr b="0" lang="ru-RU" sz="4400" spc="-1" strike="noStrike">
               <a:latin typeface="Arial"/>
             </a:endParaRPr>
           </a:p>
@@ -3187,7 +3070,7 @@
         <p:spPr>
           <a:xfrm>
             <a:off x="311760" y="1152360"/>
-            <a:ext cx="4157640" cy="1629360"/>
+            <a:ext cx="4157280" cy="1629000"/>
           </a:xfrm>
           <a:prstGeom prst="rect">
             <a:avLst/>
@@ -3202,10 +3085,7 @@
             <a:normAutofit/>
           </a:bodyPr>
           <a:p>
-            <a:endParaRPr b="0" lang="ru-RU" sz="1400" spc="-1" strike="noStrike">
-              <a:solidFill>
-                <a:srgbClr val="000000"/>
-              </a:solidFill>
+            <a:endParaRPr b="0" lang="ru-RU" sz="3200" spc="-1" strike="noStrike">
               <a:latin typeface="Arial"/>
             </a:endParaRPr>
           </a:p>
@@ -3223,8 +3103,8 @@
         </p:nvSpPr>
         <p:spPr>
           <a:xfrm>
-            <a:off x="4677840" y="1152360"/>
-            <a:ext cx="4157640" cy="3416040"/>
+            <a:off x="4677120" y="1152360"/>
+            <a:ext cx="4157280" cy="3415680"/>
           </a:xfrm>
           <a:prstGeom prst="rect">
             <a:avLst/>
@@ -3239,10 +3119,7 @@
             <a:normAutofit/>
           </a:bodyPr>
           <a:p>
-            <a:endParaRPr b="0" lang="ru-RU" sz="1400" spc="-1" strike="noStrike">
-              <a:solidFill>
-                <a:srgbClr val="000000"/>
-              </a:solidFill>
+            <a:endParaRPr b="0" lang="ru-RU" sz="3200" spc="-1" strike="noStrike">
               <a:latin typeface="Arial"/>
             </a:endParaRPr>
           </a:p>
@@ -3260,8 +3137,8 @@
         </p:nvSpPr>
         <p:spPr>
           <a:xfrm>
-            <a:off x="311760" y="2936880"/>
-            <a:ext cx="4157640" cy="1629360"/>
+            <a:off x="311760" y="2936520"/>
+            <a:ext cx="4157280" cy="1629000"/>
           </a:xfrm>
           <a:prstGeom prst="rect">
             <a:avLst/>
@@ -3276,10 +3153,7 @@
             <a:normAutofit/>
           </a:bodyPr>
           <a:p>
-            <a:endParaRPr b="0" lang="ru-RU" sz="1400" spc="-1" strike="noStrike">
-              <a:solidFill>
-                <a:srgbClr val="000000"/>
-              </a:solidFill>
+            <a:endParaRPr b="0" lang="ru-RU" sz="3200" spc="-1" strike="noStrike">
               <a:latin typeface="Arial"/>
             </a:endParaRPr>
           </a:p>
@@ -3299,7 +3173,7 @@
         <p:txBody>
           <a:bodyPr/>
           <a:p>
-            <a:fld id="{769C059C-15F7-423A-8261-F54E63FEFCCB}" type="slidenum">
+            <a:fld id="{145D41B1-18FF-4AAF-863A-B856E739CE3F}" type="slidenum">
               <a:t>&lt;#&gt;</a:t>
             </a:fld>
           </a:p>
@@ -3339,8 +3213,8 @@
         </p:nvSpPr>
         <p:spPr>
           <a:xfrm>
-            <a:off x="311760" y="444960"/>
-            <a:ext cx="8520120" cy="572400"/>
+            <a:off x="311760" y="105840"/>
+            <a:ext cx="8519760" cy="1250280"/>
           </a:xfrm>
           <a:prstGeom prst="rect">
             <a:avLst/>
@@ -3355,10 +3229,10 @@
             <a:noAutofit/>
           </a:bodyPr>
           <a:p>
-            <a:endParaRPr b="0" lang="ru-RU" sz="1400" spc="-1" strike="noStrike">
-              <a:solidFill>
-                <a:srgbClr val="000000"/>
-              </a:solidFill>
+            <a:pPr algn="ctr">
+              <a:buNone/>
+            </a:pPr>
+            <a:endParaRPr b="0" lang="ru-RU" sz="4400" spc="-1" strike="noStrike">
               <a:latin typeface="Arial"/>
             </a:endParaRPr>
           </a:p>
@@ -3377,7 +3251,7 @@
         <p:spPr>
           <a:xfrm>
             <a:off x="311760" y="1152360"/>
-            <a:ext cx="4157640" cy="3416040"/>
+            <a:ext cx="4157280" cy="3415680"/>
           </a:xfrm>
           <a:prstGeom prst="rect">
             <a:avLst/>
@@ -3392,10 +3266,7 @@
             <a:normAutofit/>
           </a:bodyPr>
           <a:p>
-            <a:endParaRPr b="0" lang="ru-RU" sz="1400" spc="-1" strike="noStrike">
-              <a:solidFill>
-                <a:srgbClr val="000000"/>
-              </a:solidFill>
+            <a:endParaRPr b="0" lang="ru-RU" sz="3200" spc="-1" strike="noStrike">
               <a:latin typeface="Arial"/>
             </a:endParaRPr>
           </a:p>
@@ -3413,8 +3284,8 @@
         </p:nvSpPr>
         <p:spPr>
           <a:xfrm>
-            <a:off x="4677840" y="1152360"/>
-            <a:ext cx="4157640" cy="1629360"/>
+            <a:off x="4677120" y="1152360"/>
+            <a:ext cx="4157280" cy="1629000"/>
           </a:xfrm>
           <a:prstGeom prst="rect">
             <a:avLst/>
@@ -3429,10 +3300,7 @@
             <a:normAutofit/>
           </a:bodyPr>
           <a:p>
-            <a:endParaRPr b="0" lang="ru-RU" sz="1400" spc="-1" strike="noStrike">
-              <a:solidFill>
-                <a:srgbClr val="000000"/>
-              </a:solidFill>
+            <a:endParaRPr b="0" lang="ru-RU" sz="3200" spc="-1" strike="noStrike">
               <a:latin typeface="Arial"/>
             </a:endParaRPr>
           </a:p>
@@ -3450,8 +3318,8 @@
         </p:nvSpPr>
         <p:spPr>
           <a:xfrm>
-            <a:off x="4677840" y="2936880"/>
-            <a:ext cx="4157640" cy="1629360"/>
+            <a:off x="4677120" y="2936520"/>
+            <a:ext cx="4157280" cy="1629000"/>
           </a:xfrm>
           <a:prstGeom prst="rect">
             <a:avLst/>
@@ -3466,10 +3334,7 @@
             <a:normAutofit/>
           </a:bodyPr>
           <a:p>
-            <a:endParaRPr b="0" lang="ru-RU" sz="1400" spc="-1" strike="noStrike">
-              <a:solidFill>
-                <a:srgbClr val="000000"/>
-              </a:solidFill>
+            <a:endParaRPr b="0" lang="ru-RU" sz="3200" spc="-1" strike="noStrike">
               <a:latin typeface="Arial"/>
             </a:endParaRPr>
           </a:p>
@@ -3489,7 +3354,7 @@
         <p:txBody>
           <a:bodyPr/>
           <a:p>
-            <a:fld id="{61CB1E13-FED7-4907-BF7B-DFDF3C8E13D6}" type="slidenum">
+            <a:fld id="{BADE9076-CA44-469A-B75B-E60796BF7843}" type="slidenum">
               <a:t>&lt;#&gt;</a:t>
             </a:fld>
           </a:p>
@@ -3529,8 +3394,8 @@
         </p:nvSpPr>
         <p:spPr>
           <a:xfrm>
-            <a:off x="311760" y="444960"/>
-            <a:ext cx="8520120" cy="572400"/>
+            <a:off x="311760" y="105840"/>
+            <a:ext cx="8519760" cy="1250280"/>
           </a:xfrm>
           <a:prstGeom prst="rect">
             <a:avLst/>
@@ -3545,10 +3410,10 @@
             <a:noAutofit/>
           </a:bodyPr>
           <a:p>
-            <a:endParaRPr b="0" lang="ru-RU" sz="1400" spc="-1" strike="noStrike">
-              <a:solidFill>
-                <a:srgbClr val="000000"/>
-              </a:solidFill>
+            <a:pPr algn="ctr">
+              <a:buNone/>
+            </a:pPr>
+            <a:endParaRPr b="0" lang="ru-RU" sz="4400" spc="-1" strike="noStrike">
               <a:latin typeface="Arial"/>
             </a:endParaRPr>
           </a:p>
@@ -3567,7 +3432,7 @@
         <p:spPr>
           <a:xfrm>
             <a:off x="311760" y="1152360"/>
-            <a:ext cx="4157640" cy="1629360"/>
+            <a:ext cx="4157280" cy="1629000"/>
           </a:xfrm>
           <a:prstGeom prst="rect">
             <a:avLst/>
@@ -3582,10 +3447,7 @@
             <a:normAutofit/>
           </a:bodyPr>
           <a:p>
-            <a:endParaRPr b="0" lang="ru-RU" sz="1400" spc="-1" strike="noStrike">
-              <a:solidFill>
-                <a:srgbClr val="000000"/>
-              </a:solidFill>
+            <a:endParaRPr b="0" lang="ru-RU" sz="3200" spc="-1" strike="noStrike">
               <a:latin typeface="Arial"/>
             </a:endParaRPr>
           </a:p>
@@ -3603,8 +3465,8 @@
         </p:nvSpPr>
         <p:spPr>
           <a:xfrm>
-            <a:off x="4677840" y="1152360"/>
-            <a:ext cx="4157640" cy="1629360"/>
+            <a:off x="4677120" y="1152360"/>
+            <a:ext cx="4157280" cy="1629000"/>
           </a:xfrm>
           <a:prstGeom prst="rect">
             <a:avLst/>
@@ -3619,10 +3481,7 @@
             <a:normAutofit/>
           </a:bodyPr>
           <a:p>
-            <a:endParaRPr b="0" lang="ru-RU" sz="1400" spc="-1" strike="noStrike">
-              <a:solidFill>
-                <a:srgbClr val="000000"/>
-              </a:solidFill>
+            <a:endParaRPr b="0" lang="ru-RU" sz="3200" spc="-1" strike="noStrike">
               <a:latin typeface="Arial"/>
             </a:endParaRPr>
           </a:p>
@@ -3640,8 +3499,8 @@
         </p:nvSpPr>
         <p:spPr>
           <a:xfrm>
-            <a:off x="311760" y="2936880"/>
-            <a:ext cx="8520120" cy="1629360"/>
+            <a:off x="311760" y="2936520"/>
+            <a:ext cx="8519760" cy="1629000"/>
           </a:xfrm>
           <a:prstGeom prst="rect">
             <a:avLst/>
@@ -3656,10 +3515,7 @@
             <a:normAutofit/>
           </a:bodyPr>
           <a:p>
-            <a:endParaRPr b="0" lang="ru-RU" sz="1400" spc="-1" strike="noStrike">
-              <a:solidFill>
-                <a:srgbClr val="000000"/>
-              </a:solidFill>
+            <a:endParaRPr b="0" lang="ru-RU" sz="3200" spc="-1" strike="noStrike">
               <a:latin typeface="Arial"/>
             </a:endParaRPr>
           </a:p>
@@ -3679,7 +3535,7 @@
         <p:txBody>
           <a:bodyPr/>
           <a:p>
-            <a:fld id="{CAD9A759-02E5-4269-8594-793BE60A867D}" type="slidenum">
+            <a:fld id="{6356901F-E7E2-4A20-8A6F-FED128B56B65}" type="slidenum">
               <a:t>&lt;#&gt;</a:t>
             </a:fld>
           </a:p>
@@ -3726,44 +3582,29 @@
         </p:nvSpPr>
         <p:spPr>
           <a:xfrm>
-            <a:off x="311760" y="744480"/>
-            <a:ext cx="8520120" cy="2052360"/>
-          </a:xfrm>
-          <a:prstGeom prst="rect">
-            <a:avLst/>
-          </a:prstGeom>
-          <a:noFill/>
-          <a:ln w="0">
-            <a:noFill/>
-          </a:ln>
-        </p:spPr>
-        <p:txBody>
-          <a:bodyPr tIns="91440" bIns="91440" anchor="b">
-            <a:normAutofit fontScale="88000"/>
+            <a:off x="311760" y="444960"/>
+            <a:ext cx="8519760" cy="572040"/>
+          </a:xfrm>
+          <a:prstGeom prst="rect">
+            <a:avLst/>
+          </a:prstGeom>
+          <a:noFill/>
+          <a:ln w="0">
+            <a:noFill/>
+          </a:ln>
+        </p:spPr>
+        <p:txBody>
+          <a:bodyPr lIns="0" rIns="0" tIns="0" bIns="0" anchor="ctr">
+            <a:noAutofit/>
           </a:bodyPr>
           <a:p>
             <a:r>
-              <a:rPr b="0" lang="ru-RU" sz="5200" spc="-1" strike="noStrike">
-                <a:solidFill>
-                  <a:srgbClr val="000000"/>
-                </a:solidFill>
+              <a:rPr b="0" lang="ru-RU" sz="1800" spc="-1" strike="noStrike">
                 <a:latin typeface="Arial"/>
               </a:rPr>
-              <a:t>Для правки текста заглавия </a:t>
+              <a:t>Для правки текста заглавия щёлкните мышью</a:t>
             </a:r>
-            <a:r>
-              <a:rPr b="0" lang="ru-RU" sz="5200" spc="-1" strike="noStrike">
-                <a:solidFill>
-                  <a:srgbClr val="000000"/>
-                </a:solidFill>
-                <a:latin typeface="Arial"/>
-              </a:rPr>
-              <a:t>щёлкните мышью</a:t>
-            </a:r>
-            <a:endParaRPr b="0" lang="ru-RU" sz="5200" spc="-1" strike="noStrike">
-              <a:solidFill>
-                <a:srgbClr val="000000"/>
-              </a:solidFill>
+            <a:endParaRPr b="0" lang="ru-RU" sz="1800" spc="-1" strike="noStrike">
               <a:latin typeface="Arial"/>
             </a:endParaRPr>
           </a:p>
@@ -3782,19 +3623,19 @@
         <p:spPr>
           <a:xfrm>
             <a:off x="8472600" y="4663080"/>
-            <a:ext cx="548280" cy="393120"/>
-          </a:xfrm>
-          <a:prstGeom prst="rect">
-            <a:avLst/>
-          </a:prstGeom>
-          <a:noFill/>
-          <a:ln w="0">
-            <a:noFill/>
-          </a:ln>
-        </p:spPr>
-        <p:txBody>
-          <a:bodyPr tIns="91440" bIns="91440" anchor="ctr">
-            <a:normAutofit/>
+            <a:ext cx="547920" cy="392760"/>
+          </a:xfrm>
+          <a:prstGeom prst="rect">
+            <a:avLst/>
+          </a:prstGeom>
+          <a:noFill/>
+          <a:ln w="0">
+            <a:noFill/>
+          </a:ln>
+        </p:spPr>
+        <p:txBody>
+          <a:bodyPr lIns="90000" rIns="90000" tIns="91440" bIns="91440" anchor="ctr">
+            <a:noAutofit/>
           </a:bodyPr>
           <a:lstStyle>
             <a:lvl1pPr algn="r">
@@ -3824,7 +3665,7 @@
                 <a:tab algn="l" pos="0"/>
               </a:tabLst>
             </a:pPr>
-            <a:fld id="{6A52E2A0-7BAC-4810-B8B7-5723391234CE}" type="slidenum">
+            <a:fld id="{3DCE2B28-9A7D-4CC0-86C7-1F7C7A98147A}" type="slidenum">
               <a:rPr b="0" lang="ru" sz="1000" spc="-1" strike="noStrike">
                 <a:solidFill>
                   <a:srgbClr val="595959"/>
@@ -3880,18 +3721,12 @@
               <a:buChar char=""/>
             </a:pPr>
             <a:r>
-              <a:rPr b="0" lang="ru-RU" sz="1400" spc="-1" strike="noStrike">
-                <a:solidFill>
-                  <a:srgbClr val="000000"/>
-                </a:solidFill>
+              <a:rPr b="0" lang="ru-RU" sz="3200" spc="-1" strike="noStrike">
                 <a:latin typeface="Arial"/>
               </a:rPr>
               <a:t>Для правки структуры щёлкните мышью</a:t>
             </a:r>
-            <a:endParaRPr b="0" lang="ru-RU" sz="1400" spc="-1" strike="noStrike">
-              <a:solidFill>
-                <a:srgbClr val="000000"/>
-              </a:solidFill>
+            <a:endParaRPr b="0" lang="ru-RU" sz="3200" spc="-1" strike="noStrike">
               <a:latin typeface="Arial"/>
             </a:endParaRPr>
           </a:p>
@@ -3908,18 +3743,12 @@
               <a:buChar char=""/>
             </a:pPr>
             <a:r>
-              <a:rPr b="0" lang="ru-RU" sz="1400" spc="-1" strike="noStrike">
-                <a:solidFill>
-                  <a:srgbClr val="000000"/>
-                </a:solidFill>
+              <a:rPr b="0" lang="ru-RU" sz="2800" spc="-1" strike="noStrike">
                 <a:latin typeface="Arial"/>
               </a:rPr>
               <a:t>Второй уровень структуры</a:t>
             </a:r>
-            <a:endParaRPr b="0" lang="ru-RU" sz="1400" spc="-1" strike="noStrike">
-              <a:solidFill>
-                <a:srgbClr val="000000"/>
-              </a:solidFill>
+            <a:endParaRPr b="0" lang="ru-RU" sz="2800" spc="-1" strike="noStrike">
               <a:latin typeface="Arial"/>
             </a:endParaRPr>
           </a:p>
@@ -3936,18 +3765,12 @@
               <a:buChar char=""/>
             </a:pPr>
             <a:r>
-              <a:rPr b="0" lang="ru-RU" sz="1400" spc="-1" strike="noStrike">
-                <a:solidFill>
-                  <a:srgbClr val="000000"/>
-                </a:solidFill>
+              <a:rPr b="0" lang="ru-RU" sz="2400" spc="-1" strike="noStrike">
                 <a:latin typeface="Arial"/>
               </a:rPr>
               <a:t>Третий уровень структуры</a:t>
             </a:r>
-            <a:endParaRPr b="0" lang="ru-RU" sz="1400" spc="-1" strike="noStrike">
-              <a:solidFill>
-                <a:srgbClr val="000000"/>
-              </a:solidFill>
+            <a:endParaRPr b="0" lang="ru-RU" sz="2400" spc="-1" strike="noStrike">
               <a:latin typeface="Arial"/>
             </a:endParaRPr>
           </a:p>
@@ -3964,18 +3787,12 @@
               <a:buChar char=""/>
             </a:pPr>
             <a:r>
-              <a:rPr b="0" lang="ru-RU" sz="1400" spc="-1" strike="noStrike">
-                <a:solidFill>
-                  <a:srgbClr val="000000"/>
-                </a:solidFill>
+              <a:rPr b="0" lang="ru-RU" sz="2000" spc="-1" strike="noStrike">
                 <a:latin typeface="Arial"/>
               </a:rPr>
               <a:t>Четвёртый уровень структуры</a:t>
             </a:r>
-            <a:endParaRPr b="0" lang="ru-RU" sz="1400" spc="-1" strike="noStrike">
-              <a:solidFill>
-                <a:srgbClr val="000000"/>
-              </a:solidFill>
+            <a:endParaRPr b="0" lang="ru-RU" sz="2000" spc="-1" strike="noStrike">
               <a:latin typeface="Arial"/>
             </a:endParaRPr>
           </a:p>
@@ -3993,17 +3810,11 @@
             </a:pPr>
             <a:r>
               <a:rPr b="0" lang="ru-RU" sz="2000" spc="-1" strike="noStrike">
-                <a:solidFill>
-                  <a:srgbClr val="000000"/>
-                </a:solidFill>
                 <a:latin typeface="Arial"/>
               </a:rPr>
               <a:t>Пятый уровень структуры</a:t>
             </a:r>
             <a:endParaRPr b="0" lang="ru-RU" sz="2000" spc="-1" strike="noStrike">
-              <a:solidFill>
-                <a:srgbClr val="000000"/>
-              </a:solidFill>
               <a:latin typeface="Arial"/>
             </a:endParaRPr>
           </a:p>
@@ -4021,17 +3832,11 @@
             </a:pPr>
             <a:r>
               <a:rPr b="0" lang="ru-RU" sz="2000" spc="-1" strike="noStrike">
-                <a:solidFill>
-                  <a:srgbClr val="000000"/>
-                </a:solidFill>
                 <a:latin typeface="Arial"/>
               </a:rPr>
               <a:t>Шестой уровень структуры</a:t>
             </a:r>
             <a:endParaRPr b="0" lang="ru-RU" sz="2000" spc="-1" strike="noStrike">
-              <a:solidFill>
-                <a:srgbClr val="000000"/>
-              </a:solidFill>
               <a:latin typeface="Arial"/>
             </a:endParaRPr>
           </a:p>
@@ -4049,17 +3854,11 @@
             </a:pPr>
             <a:r>
               <a:rPr b="0" lang="ru-RU" sz="2000" spc="-1" strike="noStrike">
-                <a:solidFill>
-                  <a:srgbClr val="000000"/>
-                </a:solidFill>
                 <a:latin typeface="Arial"/>
               </a:rPr>
               <a:t>Седьмой уровень структуры</a:t>
             </a:r>
             <a:endParaRPr b="0" lang="ru-RU" sz="2000" spc="-1" strike="noStrike">
-              <a:solidFill>
-                <a:srgbClr val="000000"/>
-              </a:solidFill>
               <a:latin typeface="Arial"/>
             </a:endParaRPr>
           </a:p>
@@ -4122,34 +3921,28 @@
         <p:spPr>
           <a:xfrm>
             <a:off x="311760" y="444960"/>
-            <a:ext cx="8520120" cy="572400"/>
-          </a:xfrm>
-          <a:prstGeom prst="rect">
-            <a:avLst/>
-          </a:prstGeom>
-          <a:noFill/>
-          <a:ln w="0">
-            <a:noFill/>
-          </a:ln>
-        </p:spPr>
-        <p:txBody>
-          <a:bodyPr tIns="91440" bIns="91440" anchor="t">
-            <a:normAutofit fontScale="91000"/>
+            <a:ext cx="8519760" cy="572040"/>
+          </a:xfrm>
+          <a:prstGeom prst="rect">
+            <a:avLst/>
+          </a:prstGeom>
+          <a:noFill/>
+          <a:ln w="0">
+            <a:noFill/>
+          </a:ln>
+        </p:spPr>
+        <p:txBody>
+          <a:bodyPr lIns="0" rIns="0" tIns="0" bIns="0" anchor="ctr">
+            <a:noAutofit/>
           </a:bodyPr>
           <a:p>
             <a:r>
-              <a:rPr b="0" lang="ru-RU" sz="2800" spc="-1" strike="noStrike">
-                <a:solidFill>
-                  <a:srgbClr val="000000"/>
-                </a:solidFill>
+              <a:rPr b="0" lang="ru-RU" sz="1800" spc="-1" strike="noStrike">
                 <a:latin typeface="Arial"/>
               </a:rPr>
               <a:t>Для правки текста заглавия щёлкните мышью</a:t>
             </a:r>
-            <a:endParaRPr b="0" lang="ru-RU" sz="2800" spc="-1" strike="noStrike">
-              <a:solidFill>
-                <a:srgbClr val="000000"/>
-              </a:solidFill>
+            <a:endParaRPr b="0" lang="ru-RU" sz="1800" spc="-1" strike="noStrike">
               <a:latin typeface="Arial"/>
             </a:endParaRPr>
           </a:p>
@@ -4168,18 +3961,18 @@
         <p:spPr>
           <a:xfrm>
             <a:off x="311760" y="1152360"/>
-            <a:ext cx="8520120" cy="3416040"/>
-          </a:xfrm>
-          <a:prstGeom prst="rect">
-            <a:avLst/>
-          </a:prstGeom>
-          <a:noFill/>
-          <a:ln w="0">
-            <a:noFill/>
-          </a:ln>
-        </p:spPr>
-        <p:txBody>
-          <a:bodyPr tIns="91440" bIns="91440" anchor="t">
+            <a:ext cx="8519760" cy="3415680"/>
+          </a:xfrm>
+          <a:prstGeom prst="rect">
+            <a:avLst/>
+          </a:prstGeom>
+          <a:noFill/>
+          <a:ln w="0">
+            <a:noFill/>
+          </a:ln>
+        </p:spPr>
+        <p:txBody>
+          <a:bodyPr lIns="0" rIns="0" tIns="0" bIns="0" anchor="t">
             <a:normAutofit/>
           </a:bodyPr>
           <a:p>
@@ -4196,17 +3989,11 @@
             </a:pPr>
             <a:r>
               <a:rPr b="0" lang="ru-RU" sz="1800" spc="-1" strike="noStrike">
-                <a:solidFill>
-                  <a:srgbClr val="000000"/>
-                </a:solidFill>
                 <a:latin typeface="Arial"/>
               </a:rPr>
               <a:t>Для правки структуры щёлкните мышью</a:t>
             </a:r>
             <a:endParaRPr b="0" lang="ru-RU" sz="1800" spc="-1" strike="noStrike">
-              <a:solidFill>
-                <a:srgbClr val="000000"/>
-              </a:solidFill>
               <a:latin typeface="Arial"/>
             </a:endParaRPr>
           </a:p>
@@ -4224,17 +4011,11 @@
             </a:pPr>
             <a:r>
               <a:rPr b="0" lang="ru-RU" sz="1800" spc="-1" strike="noStrike">
-                <a:solidFill>
-                  <a:srgbClr val="000000"/>
-                </a:solidFill>
                 <a:latin typeface="Arial"/>
               </a:rPr>
               <a:t>Второй уровень структуры</a:t>
             </a:r>
             <a:endParaRPr b="0" lang="ru-RU" sz="1800" spc="-1" strike="noStrike">
-              <a:solidFill>
-                <a:srgbClr val="000000"/>
-              </a:solidFill>
               <a:latin typeface="Arial"/>
             </a:endParaRPr>
           </a:p>
@@ -4252,17 +4033,11 @@
             </a:pPr>
             <a:r>
               <a:rPr b="0" lang="ru-RU" sz="1800" spc="-1" strike="noStrike">
-                <a:solidFill>
-                  <a:srgbClr val="000000"/>
-                </a:solidFill>
                 <a:latin typeface="Arial"/>
               </a:rPr>
               <a:t>Третий уровень структуры</a:t>
             </a:r>
             <a:endParaRPr b="0" lang="ru-RU" sz="1800" spc="-1" strike="noStrike">
-              <a:solidFill>
-                <a:srgbClr val="000000"/>
-              </a:solidFill>
               <a:latin typeface="Arial"/>
             </a:endParaRPr>
           </a:p>
@@ -4280,17 +4055,11 @@
             </a:pPr>
             <a:r>
               <a:rPr b="0" lang="ru-RU" sz="1800" spc="-1" strike="noStrike">
-                <a:solidFill>
-                  <a:srgbClr val="000000"/>
-                </a:solidFill>
                 <a:latin typeface="Arial"/>
               </a:rPr>
               <a:t>Четвёртый уровень структуры</a:t>
             </a:r>
             <a:endParaRPr b="0" lang="ru-RU" sz="1800" spc="-1" strike="noStrike">
-              <a:solidFill>
-                <a:srgbClr val="000000"/>
-              </a:solidFill>
               <a:latin typeface="Arial"/>
             </a:endParaRPr>
           </a:p>
@@ -4308,17 +4077,11 @@
             </a:pPr>
             <a:r>
               <a:rPr b="0" lang="ru-RU" sz="1800" spc="-1" strike="noStrike">
-                <a:solidFill>
-                  <a:srgbClr val="000000"/>
-                </a:solidFill>
                 <a:latin typeface="Arial"/>
               </a:rPr>
               <a:t>Пятый уровень структуры</a:t>
             </a:r>
             <a:endParaRPr b="0" lang="ru-RU" sz="1800" spc="-1" strike="noStrike">
-              <a:solidFill>
-                <a:srgbClr val="000000"/>
-              </a:solidFill>
               <a:latin typeface="Arial"/>
             </a:endParaRPr>
           </a:p>
@@ -4336,26 +4099,11 @@
             </a:pPr>
             <a:r>
               <a:rPr b="0" lang="ru-RU" sz="1800" spc="-1" strike="noStrike">
-                <a:solidFill>
-                  <a:srgbClr val="000000"/>
-                </a:solidFill>
                 <a:latin typeface="Arial"/>
               </a:rPr>
-              <a:t>Шестой уровень </a:t>
-            </a:r>
-            <a:r>
-              <a:rPr b="0" lang="ru-RU" sz="1800" spc="-1" strike="noStrike">
-                <a:solidFill>
-                  <a:srgbClr val="000000"/>
-                </a:solidFill>
-                <a:latin typeface="Arial"/>
-              </a:rPr>
-              <a:t>структуры</a:t>
+              <a:t>Шестой уровень структуры</a:t>
             </a:r>
             <a:endParaRPr b="0" lang="ru-RU" sz="1800" spc="-1" strike="noStrike">
-              <a:solidFill>
-                <a:srgbClr val="000000"/>
-              </a:solidFill>
               <a:latin typeface="Arial"/>
             </a:endParaRPr>
           </a:p>
@@ -4373,26 +4121,11 @@
             </a:pPr>
             <a:r>
               <a:rPr b="0" lang="ru-RU" sz="1800" spc="-1" strike="noStrike">
-                <a:solidFill>
-                  <a:srgbClr val="000000"/>
-                </a:solidFill>
                 <a:latin typeface="Arial"/>
               </a:rPr>
-              <a:t>Седьмой уровень </a:t>
-            </a:r>
-            <a:r>
-              <a:rPr b="0" lang="ru-RU" sz="1800" spc="-1" strike="noStrike">
-                <a:solidFill>
-                  <a:srgbClr val="000000"/>
-                </a:solidFill>
-                <a:latin typeface="Arial"/>
-              </a:rPr>
-              <a:t>структуры</a:t>
+              <a:t>Седьмой уровень структуры</a:t>
             </a:r>
             <a:endParaRPr b="0" lang="ru-RU" sz="1800" spc="-1" strike="noStrike">
-              <a:solidFill>
-                <a:srgbClr val="000000"/>
-              </a:solidFill>
               <a:latin typeface="Arial"/>
             </a:endParaRPr>
           </a:p>
@@ -4411,19 +4144,19 @@
         <p:spPr>
           <a:xfrm>
             <a:off x="8472600" y="4663080"/>
-            <a:ext cx="548280" cy="393120"/>
-          </a:xfrm>
-          <a:prstGeom prst="rect">
-            <a:avLst/>
-          </a:prstGeom>
-          <a:noFill/>
-          <a:ln w="0">
-            <a:noFill/>
-          </a:ln>
-        </p:spPr>
-        <p:txBody>
-          <a:bodyPr tIns="91440" bIns="91440" anchor="ctr">
-            <a:normAutofit/>
+            <a:ext cx="547920" cy="392760"/>
+          </a:xfrm>
+          <a:prstGeom prst="rect">
+            <a:avLst/>
+          </a:prstGeom>
+          <a:noFill/>
+          <a:ln w="0">
+            <a:noFill/>
+          </a:ln>
+        </p:spPr>
+        <p:txBody>
+          <a:bodyPr lIns="90000" rIns="90000" tIns="91440" bIns="91440" anchor="ctr">
+            <a:noAutofit/>
           </a:bodyPr>
           <a:lstStyle>
             <a:lvl1pPr algn="r">
@@ -4453,7 +4186,7 @@
                 <a:tab algn="l" pos="0"/>
               </a:tabLst>
             </a:pPr>
-            <a:fld id="{30175A1A-FD8F-42FE-A21C-BC280831E733}" type="slidenum">
+            <a:fld id="{C9116CE6-09F3-4253-9E8B-1258916EFEA5}" type="slidenum">
               <a:rPr b="0" lang="ru" sz="1000" spc="-1" strike="noStrike">
                 <a:solidFill>
                   <a:srgbClr val="595959"/>
@@ -4527,18 +4260,18 @@
         <p:spPr>
           <a:xfrm>
             <a:off x="311760" y="394200"/>
-            <a:ext cx="8520120" cy="2052360"/>
-          </a:xfrm>
-          <a:prstGeom prst="rect">
-            <a:avLst/>
-          </a:prstGeom>
-          <a:noFill/>
-          <a:ln w="0">
-            <a:noFill/>
-          </a:ln>
-        </p:spPr>
-        <p:txBody>
-          <a:bodyPr tIns="91440" bIns="91440" anchor="b">
+            <a:ext cx="8519760" cy="2052000"/>
+          </a:xfrm>
+          <a:prstGeom prst="rect">
+            <a:avLst/>
+          </a:prstGeom>
+          <a:noFill/>
+          <a:ln w="0">
+            <a:noFill/>
+          </a:ln>
+        </p:spPr>
+        <p:txBody>
+          <a:bodyPr lIns="0" rIns="0" tIns="91440" bIns="91440" anchor="b">
             <a:normAutofit/>
           </a:bodyPr>
           <a:p>
@@ -4562,9 +4295,6 @@
               <a:t>Варфоломеев Леонид Павлович</a:t>
             </a:r>
             <a:endParaRPr b="0" lang="ru-RU" sz="5200" spc="-1" strike="noStrike">
-              <a:solidFill>
-                <a:srgbClr val="000000"/>
-              </a:solidFill>
               <a:latin typeface="Arial"/>
             </a:endParaRPr>
           </a:p>
@@ -4583,18 +4313,18 @@
         <p:spPr>
           <a:xfrm>
             <a:off x="311760" y="2271600"/>
-            <a:ext cx="8520120" cy="792360"/>
-          </a:xfrm>
-          <a:prstGeom prst="rect">
-            <a:avLst/>
-          </a:prstGeom>
-          <a:noFill/>
-          <a:ln w="0">
-            <a:noFill/>
-          </a:ln>
-        </p:spPr>
-        <p:txBody>
-          <a:bodyPr tIns="91440" bIns="91440" anchor="t">
+            <a:ext cx="8519760" cy="792000"/>
+          </a:xfrm>
+          <a:prstGeom prst="rect">
+            <a:avLst/>
+          </a:prstGeom>
+          <a:noFill/>
+          <a:ln w="0">
+            <a:noFill/>
+          </a:ln>
+        </p:spPr>
+        <p:txBody>
+          <a:bodyPr lIns="0" rIns="0" tIns="91440" bIns="91440" anchor="t">
             <a:normAutofit fontScale="47000"/>
           </a:bodyPr>
           <a:p>
@@ -4732,18 +4462,18 @@
         <p:spPr>
           <a:xfrm>
             <a:off x="311760" y="444960"/>
-            <a:ext cx="8520120" cy="572400"/>
-          </a:xfrm>
-          <a:prstGeom prst="rect">
-            <a:avLst/>
-          </a:prstGeom>
-          <a:noFill/>
-          <a:ln w="0">
-            <a:noFill/>
-          </a:ln>
-        </p:spPr>
-        <p:txBody>
-          <a:bodyPr tIns="91440" bIns="91440" anchor="t">
+            <a:ext cx="8519760" cy="572040"/>
+          </a:xfrm>
+          <a:prstGeom prst="rect">
+            <a:avLst/>
+          </a:prstGeom>
+          <a:noFill/>
+          <a:ln w="0">
+            <a:noFill/>
+          </a:ln>
+        </p:spPr>
+        <p:txBody>
+          <a:bodyPr lIns="0" rIns="0" tIns="91440" bIns="91440" anchor="t">
             <a:noAutofit/>
           </a:bodyPr>
           <a:p>
@@ -4767,9 +4497,6 @@
               <a:t>Комментарии. Особенности моего решения </a:t>
             </a:r>
             <a:endParaRPr b="0" lang="ru-RU" sz="3020" spc="-1" strike="noStrike">
-              <a:solidFill>
-                <a:srgbClr val="000000"/>
-              </a:solidFill>
               <a:latin typeface="Arial"/>
             </a:endParaRPr>
           </a:p>
@@ -4788,18 +4515,18 @@
         <p:spPr>
           <a:xfrm>
             <a:off x="311760" y="1152360"/>
-            <a:ext cx="8520120" cy="3416040"/>
-          </a:xfrm>
-          <a:prstGeom prst="rect">
-            <a:avLst/>
-          </a:prstGeom>
-          <a:noFill/>
-          <a:ln w="0">
-            <a:noFill/>
-          </a:ln>
-        </p:spPr>
-        <p:txBody>
-          <a:bodyPr tIns="91440" bIns="91440" anchor="t">
+            <a:ext cx="8519760" cy="3415680"/>
+          </a:xfrm>
+          <a:prstGeom prst="rect">
+            <a:avLst/>
+          </a:prstGeom>
+          <a:noFill/>
+          <a:ln w="0">
+            <a:noFill/>
+          </a:ln>
+        </p:spPr>
+        <p:txBody>
+          <a:bodyPr lIns="0" rIns="0" tIns="91440" bIns="91440" anchor="t">
             <a:normAutofit fontScale="85000"/>
           </a:bodyPr>
           <a:p>
@@ -4820,9 +4547,6 @@
               <a:t>1. Комментарии видны всем.</a:t>
             </a:r>
             <a:endParaRPr b="0" lang="ru-RU" sz="1800" spc="-1" strike="noStrike">
-              <a:solidFill>
-                <a:srgbClr val="000000"/>
-              </a:solidFill>
               <a:latin typeface="Arial"/>
             </a:endParaRPr>
           </a:p>
@@ -4844,9 +4568,6 @@
               <a:t>2. Зарегистрированные пользователи могут оставлять комментарии, редактировать и удалять их.</a:t>
             </a:r>
             <a:endParaRPr b="0" lang="ru-RU" sz="1800" spc="-1" strike="noStrike">
-              <a:solidFill>
-                <a:srgbClr val="000000"/>
-              </a:solidFill>
               <a:latin typeface="Arial"/>
             </a:endParaRPr>
           </a:p>
@@ -4868,9 +4589,6 @@
               <a:t>3. Пользователи могут удалять и редактировать только свои комментарии.</a:t>
             </a:r>
             <a:endParaRPr b="0" lang="ru-RU" sz="1800" spc="-1" strike="noStrike">
-              <a:solidFill>
-                <a:srgbClr val="000000"/>
-              </a:solidFill>
               <a:latin typeface="Arial"/>
             </a:endParaRPr>
           </a:p>
@@ -4892,9 +4610,6 @@
               <a:t>3. Инициаторы события не могут удалять чужие комментарии на свои события.</a:t>
             </a:r>
             <a:endParaRPr b="0" lang="ru-RU" sz="1800" spc="-1" strike="noStrike">
-              <a:solidFill>
-                <a:srgbClr val="000000"/>
-              </a:solidFill>
               <a:latin typeface="Arial"/>
             </a:endParaRPr>
           </a:p>
@@ -4929,9 +4644,6 @@
               <a:t>редактирование недоступно.</a:t>
             </a:r>
             <a:endParaRPr b="0" lang="ru-RU" sz="1800" spc="-1" strike="noStrike">
-              <a:solidFill>
-                <a:srgbClr val="000000"/>
-              </a:solidFill>
               <a:latin typeface="Arial"/>
             </a:endParaRPr>
           </a:p>
@@ -4979,9 +4691,6 @@
               <a:t>с датой удаления.</a:t>
             </a:r>
             <a:endParaRPr b="0" lang="ru-RU" sz="1800" spc="-1" strike="noStrike">
-              <a:solidFill>
-                <a:srgbClr val="000000"/>
-              </a:solidFill>
               <a:latin typeface="Arial"/>
             </a:endParaRPr>
           </a:p>
@@ -4993,9 +4702,6 @@
               <a:buNone/>
             </a:pPr>
             <a:endParaRPr b="0" lang="ru-RU" sz="1800" spc="-1" strike="noStrike">
-              <a:solidFill>
-                <a:srgbClr val="000000"/>
-              </a:solidFill>
               <a:latin typeface="Arial"/>
             </a:endParaRPr>
           </a:p>
@@ -5017,9 +4723,6 @@
               <a:t> </a:t>
             </a:r>
             <a:endParaRPr b="0" lang="ru-RU" sz="1800" spc="-1" strike="noStrike">
-              <a:solidFill>
-                <a:srgbClr val="000000"/>
-              </a:solidFill>
               <a:latin typeface="Arial"/>
             </a:endParaRPr>
           </a:p>
@@ -5031,9 +4734,6 @@
               <a:buNone/>
             </a:pPr>
             <a:endParaRPr b="0" lang="ru-RU" sz="1800" spc="-1" strike="noStrike">
-              <a:solidFill>
-                <a:srgbClr val="000000"/>
-              </a:solidFill>
               <a:latin typeface="Arial"/>
             </a:endParaRPr>
           </a:p>
@@ -5045,9 +4745,6 @@
               <a:buNone/>
             </a:pPr>
             <a:endParaRPr b="0" lang="ru-RU" sz="1800" spc="-1" strike="noStrike">
-              <a:solidFill>
-                <a:srgbClr val="000000"/>
-              </a:solidFill>
               <a:latin typeface="Arial"/>
             </a:endParaRPr>
           </a:p>
@@ -5104,18 +4801,18 @@
         <p:spPr>
           <a:xfrm>
             <a:off x="311760" y="444960"/>
-            <a:ext cx="8520120" cy="572400"/>
-          </a:xfrm>
-          <a:prstGeom prst="rect">
-            <a:avLst/>
-          </a:prstGeom>
-          <a:noFill/>
-          <a:ln w="0">
-            <a:noFill/>
-          </a:ln>
-        </p:spPr>
-        <p:txBody>
-          <a:bodyPr tIns="91440" bIns="91440" anchor="t">
+            <a:ext cx="8519760" cy="572040"/>
+          </a:xfrm>
+          <a:prstGeom prst="rect">
+            <a:avLst/>
+          </a:prstGeom>
+          <a:noFill/>
+          <a:ln w="0">
+            <a:noFill/>
+          </a:ln>
+        </p:spPr>
+        <p:txBody>
+          <a:bodyPr lIns="0" rIns="0" tIns="91440" bIns="91440" anchor="t">
             <a:noAutofit/>
           </a:bodyPr>
           <a:p>
@@ -5139,9 +4836,6 @@
               <a:t>Жалобы. Особенности моего решения </a:t>
             </a:r>
             <a:endParaRPr b="0" lang="ru-RU" sz="3020" spc="-1" strike="noStrike">
-              <a:solidFill>
-                <a:srgbClr val="000000"/>
-              </a:solidFill>
               <a:latin typeface="Arial"/>
             </a:endParaRPr>
           </a:p>
@@ -5160,18 +4854,18 @@
         <p:spPr>
           <a:xfrm>
             <a:off x="311760" y="1152360"/>
-            <a:ext cx="8520120" cy="3416040"/>
-          </a:xfrm>
-          <a:prstGeom prst="rect">
-            <a:avLst/>
-          </a:prstGeom>
-          <a:noFill/>
-          <a:ln w="0">
-            <a:noFill/>
-          </a:ln>
-        </p:spPr>
-        <p:txBody>
-          <a:bodyPr tIns="91440" bIns="91440" anchor="t">
+            <a:ext cx="8519760" cy="3415680"/>
+          </a:xfrm>
+          <a:prstGeom prst="rect">
+            <a:avLst/>
+          </a:prstGeom>
+          <a:noFill/>
+          <a:ln w="0">
+            <a:noFill/>
+          </a:ln>
+        </p:spPr>
+        <p:txBody>
+          <a:bodyPr lIns="0" rIns="0" tIns="91440" bIns="91440" anchor="t">
             <a:normAutofit/>
           </a:bodyPr>
           <a:p>
@@ -5192,9 +4886,6 @@
               <a:t>1. Чтение жалоб доступно только администратору.</a:t>
             </a:r>
             <a:endParaRPr b="0" lang="ru-RU" sz="1800" spc="-1" strike="noStrike">
-              <a:solidFill>
-                <a:srgbClr val="000000"/>
-              </a:solidFill>
               <a:latin typeface="Arial"/>
             </a:endParaRPr>
           </a:p>
@@ -5213,22 +4904,9 @@
                 <a:latin typeface="Arial"/>
                 <a:ea typeface="Arial"/>
               </a:rPr>
-              <a:t>2. Оставлять жалобы на события, пользователей и комментарии могут только з</a:t>
-            </a:r>
-            <a:r>
-              <a:rPr b="0" lang="ru-RU" sz="1800" spc="-1" strike="noStrike">
-                <a:solidFill>
-                  <a:srgbClr val="595959"/>
-                </a:solidFill>
-                <a:latin typeface="Arial"/>
-                <a:ea typeface="Arial"/>
-              </a:rPr>
-              <a:t>арегистрированные пользователи.</a:t>
+              <a:t>2. Оставлять жалобы на события, пользователей и комментарии могут только зарегистрированные пользователи.</a:t>
             </a:r>
             <a:endParaRPr b="0" lang="ru-RU" sz="1800" spc="-1" strike="noStrike">
-              <a:solidFill>
-                <a:srgbClr val="000000"/>
-              </a:solidFill>
               <a:latin typeface="Arial"/>
             </a:endParaRPr>
           </a:p>
@@ -5250,9 +4928,6 @@
               <a:t>3. Пользователь не может оставить жалобу на один и тот же элемент более одного раза, если предыдущая жалоба не обработана администратором.</a:t>
             </a:r>
             <a:endParaRPr b="0" lang="ru-RU" sz="1800" spc="-1" strike="noStrike">
-              <a:solidFill>
-                <a:srgbClr val="000000"/>
-              </a:solidFill>
               <a:latin typeface="Arial"/>
             </a:endParaRPr>
           </a:p>
@@ -5287,9 +4962,6 @@
               <a:t>их статус и оставлять комментарии.</a:t>
             </a:r>
             <a:endParaRPr b="0" lang="ru-RU" sz="1800" spc="-1" strike="noStrike">
-              <a:solidFill>
-                <a:srgbClr val="000000"/>
-              </a:solidFill>
               <a:latin typeface="Arial"/>
             </a:endParaRPr>
           </a:p>
@@ -5301,9 +4973,6 @@
               <a:buNone/>
             </a:pPr>
             <a:endParaRPr b="0" lang="ru-RU" sz="1800" spc="-1" strike="noStrike">
-              <a:solidFill>
-                <a:srgbClr val="000000"/>
-              </a:solidFill>
               <a:latin typeface="Arial"/>
             </a:endParaRPr>
           </a:p>
@@ -5325,9 +4994,6 @@
               <a:t> </a:t>
             </a:r>
             <a:endParaRPr b="0" lang="ru-RU" sz="1800" spc="-1" strike="noStrike">
-              <a:solidFill>
-                <a:srgbClr val="000000"/>
-              </a:solidFill>
               <a:latin typeface="Arial"/>
             </a:endParaRPr>
           </a:p>
@@ -5339,9 +5005,6 @@
               <a:buNone/>
             </a:pPr>
             <a:endParaRPr b="0" lang="ru-RU" sz="1800" spc="-1" strike="noStrike">
-              <a:solidFill>
-                <a:srgbClr val="000000"/>
-              </a:solidFill>
               <a:latin typeface="Arial"/>
             </a:endParaRPr>
           </a:p>
@@ -5353,9 +5016,6 @@
               <a:buNone/>
             </a:pPr>
             <a:endParaRPr b="0" lang="ru-RU" sz="1800" spc="-1" strike="noStrike">
-              <a:solidFill>
-                <a:srgbClr val="000000"/>
-              </a:solidFill>
               <a:latin typeface="Arial"/>
             </a:endParaRPr>
           </a:p>
@@ -5412,18 +5072,18 @@
         <p:spPr>
           <a:xfrm>
             <a:off x="311760" y="444960"/>
-            <a:ext cx="8520120" cy="572400"/>
-          </a:xfrm>
-          <a:prstGeom prst="rect">
-            <a:avLst/>
-          </a:prstGeom>
-          <a:noFill/>
-          <a:ln w="0">
-            <a:noFill/>
-          </a:ln>
-        </p:spPr>
-        <p:txBody>
-          <a:bodyPr tIns="91440" bIns="91440" anchor="t">
+            <a:ext cx="8519760" cy="572040"/>
+          </a:xfrm>
+          <a:prstGeom prst="rect">
+            <a:avLst/>
+          </a:prstGeom>
+          <a:noFill/>
+          <a:ln w="0">
+            <a:noFill/>
+          </a:ln>
+        </p:spPr>
+        <p:txBody>
+          <a:bodyPr lIns="0" rIns="0" tIns="91440" bIns="91440" anchor="t">
             <a:noAutofit/>
           </a:bodyPr>
           <a:p>
@@ -5447,9 +5107,6 @@
               <a:t>Результаты дипломной работы</a:t>
             </a:r>
             <a:endParaRPr b="0" lang="ru-RU" sz="3020" spc="-1" strike="noStrike">
-              <a:solidFill>
-                <a:srgbClr val="000000"/>
-              </a:solidFill>
               <a:latin typeface="Arial"/>
             </a:endParaRPr>
           </a:p>
@@ -5468,18 +5125,18 @@
         <p:spPr>
           <a:xfrm>
             <a:off x="311760" y="1152360"/>
-            <a:ext cx="8520120" cy="3416040"/>
-          </a:xfrm>
-          <a:prstGeom prst="rect">
-            <a:avLst/>
-          </a:prstGeom>
-          <a:noFill/>
-          <a:ln w="0">
-            <a:noFill/>
-          </a:ln>
-        </p:spPr>
-        <p:txBody>
-          <a:bodyPr tIns="91440" bIns="91440" anchor="t">
+            <a:ext cx="8519760" cy="3415680"/>
+          </a:xfrm>
+          <a:prstGeom prst="rect">
+            <a:avLst/>
+          </a:prstGeom>
+          <a:noFill/>
+          <a:ln w="0">
+            <a:noFill/>
+          </a:ln>
+        </p:spPr>
+        <p:txBody>
+          <a:bodyPr lIns="0" rIns="0" tIns="91440" bIns="91440" anchor="t">
             <a:normAutofit/>
           </a:bodyPr>
           <a:p>
@@ -5504,9 +5161,6 @@
               <a:t>17 комментариев от ревьюера;</a:t>
             </a:r>
             <a:endParaRPr b="0" lang="ru-RU" sz="1800" spc="-1" strike="noStrike">
-              <a:solidFill>
-                <a:srgbClr val="000000"/>
-              </a:solidFill>
               <a:latin typeface="Arial"/>
             </a:endParaRPr>
           </a:p>
@@ -5529,12 +5183,9 @@
                 <a:latin typeface="Arial"/>
                 <a:ea typeface="Arial"/>
               </a:rPr>
-              <a:t>119 коммитов;</a:t>
+              <a:t>145 коммитов;</a:t>
             </a:r>
             <a:endParaRPr b="0" lang="ru-RU" sz="1800" spc="-1" strike="noStrike">
-              <a:solidFill>
-                <a:srgbClr val="000000"/>
-              </a:solidFill>
               <a:latin typeface="Arial"/>
             </a:endParaRPr>
           </a:p>
@@ -5560,9 +5211,6 @@
               <a:t>2 месяца разработки;</a:t>
             </a:r>
             <a:endParaRPr b="0" lang="ru-RU" sz="1800" spc="-1" strike="noStrike">
-              <a:solidFill>
-                <a:srgbClr val="000000"/>
-              </a:solidFill>
               <a:latin typeface="Arial"/>
             </a:endParaRPr>
           </a:p>
@@ -5588,9 +5236,6 @@
               <a:t>4498 строк кода.</a:t>
             </a:r>
             <a:endParaRPr b="0" lang="ru-RU" sz="1800" spc="-1" strike="noStrike">
-              <a:solidFill>
-                <a:srgbClr val="000000"/>
-              </a:solidFill>
               <a:latin typeface="Arial"/>
             </a:endParaRPr>
           </a:p>
@@ -5616,9 +5261,6 @@
               <a:t>112 .java файлов.</a:t>
             </a:r>
             <a:endParaRPr b="0" lang="ru-RU" sz="1800" spc="-1" strike="noStrike">
-              <a:solidFill>
-                <a:srgbClr val="000000"/>
-              </a:solidFill>
               <a:latin typeface="Arial"/>
             </a:endParaRPr>
           </a:p>
@@ -5675,18 +5317,18 @@
         <p:spPr>
           <a:xfrm>
             <a:off x="311760" y="444960"/>
-            <a:ext cx="8520120" cy="572400"/>
-          </a:xfrm>
-          <a:prstGeom prst="rect">
-            <a:avLst/>
-          </a:prstGeom>
-          <a:noFill/>
-          <a:ln w="0">
-            <a:noFill/>
-          </a:ln>
-        </p:spPr>
-        <p:txBody>
-          <a:bodyPr tIns="91440" bIns="91440" anchor="t">
+            <a:ext cx="8519760" cy="572040"/>
+          </a:xfrm>
+          <a:prstGeom prst="rect">
+            <a:avLst/>
+          </a:prstGeom>
+          <a:noFill/>
+          <a:ln w="0">
+            <a:noFill/>
+          </a:ln>
+        </p:spPr>
+        <p:txBody>
+          <a:bodyPr lIns="0" rIns="0" tIns="91440" bIns="91440" anchor="t">
             <a:normAutofit fontScale="91000"/>
           </a:bodyPr>
           <a:p>
@@ -5710,9 +5352,6 @@
               <a:t>Что я узнал(а) при работе над дипломом  </a:t>
             </a:r>
             <a:endParaRPr b="0" lang="ru-RU" sz="2800" spc="-1" strike="noStrike">
-              <a:solidFill>
-                <a:srgbClr val="000000"/>
-              </a:solidFill>
               <a:latin typeface="Arial"/>
             </a:endParaRPr>
           </a:p>
@@ -5731,18 +5370,18 @@
         <p:spPr>
           <a:xfrm>
             <a:off x="3240000" y="1149480"/>
-            <a:ext cx="5616000" cy="3710520"/>
-          </a:xfrm>
-          <a:prstGeom prst="rect">
-            <a:avLst/>
-          </a:prstGeom>
-          <a:noFill/>
-          <a:ln w="0">
-            <a:noFill/>
-          </a:ln>
-        </p:spPr>
-        <p:txBody>
-          <a:bodyPr tIns="91440" bIns="91440" anchor="t">
+            <a:ext cx="5615640" cy="3710160"/>
+          </a:xfrm>
+          <a:prstGeom prst="rect">
+            <a:avLst/>
+          </a:prstGeom>
+          <a:noFill/>
+          <a:ln w="0">
+            <a:noFill/>
+          </a:ln>
+        </p:spPr>
+        <p:txBody>
+          <a:bodyPr lIns="0" rIns="0" tIns="91440" bIns="91440" anchor="t">
             <a:normAutofit fontScale="75000"/>
           </a:bodyPr>
           <a:p>
@@ -5767,9 +5406,6 @@
               <a:t>О себе: </a:t>
             </a:r>
             <a:endParaRPr b="0" lang="ru-RU" sz="1800" spc="-1" strike="noStrike">
-              <a:solidFill>
-                <a:srgbClr val="000000"/>
-              </a:solidFill>
               <a:latin typeface="Arial"/>
             </a:endParaRPr>
           </a:p>
@@ -5808,9 +5444,6 @@
               <a:t>- мне нужно научиться лучше планировать.</a:t>
             </a:r>
             <a:endParaRPr b="0" lang="ru-RU" sz="1800" spc="-1" strike="noStrike">
-              <a:solidFill>
-                <a:srgbClr val="000000"/>
-              </a:solidFill>
               <a:latin typeface="Arial"/>
             </a:endParaRPr>
           </a:p>
@@ -5842,9 +5475,6 @@
               <a:t>О Java:</a:t>
             </a:r>
             <a:endParaRPr b="0" lang="ru-RU" sz="1800" spc="-1" strike="noStrike">
-              <a:solidFill>
-                <a:srgbClr val="000000"/>
-              </a:solidFill>
               <a:latin typeface="Arial"/>
             </a:endParaRPr>
           </a:p>
@@ -5902,9 +5532,6 @@
               <a:t>репозиториями;</a:t>
             </a:r>
             <a:endParaRPr b="0" lang="ru-RU" sz="1800" spc="-1" strike="noStrike">
-              <a:solidFill>
-                <a:srgbClr val="000000"/>
-              </a:solidFill>
               <a:latin typeface="Arial"/>
             </a:endParaRPr>
           </a:p>
@@ -5936,9 +5563,6 @@
               <a:t>- разделять функционал – отличная идея;</a:t>
             </a:r>
             <a:endParaRPr b="0" lang="ru-RU" sz="1800" spc="-1" strike="noStrike">
-              <a:solidFill>
-                <a:srgbClr val="000000"/>
-              </a:solidFill>
               <a:latin typeface="Arial"/>
             </a:endParaRPr>
           </a:p>
@@ -5970,9 +5594,6 @@
               <a:t>- Docker – потрясающий инструмент;</a:t>
             </a:r>
             <a:endParaRPr b="0" lang="ru-RU" sz="1800" spc="-1" strike="noStrike">
-              <a:solidFill>
-                <a:srgbClr val="000000"/>
-              </a:solidFill>
               <a:latin typeface="Arial"/>
             </a:endParaRPr>
           </a:p>
@@ -6004,9 +5625,6 @@
               <a:t>О Практикуме:</a:t>
             </a:r>
             <a:endParaRPr b="0" lang="ru-RU" sz="1800" spc="-1" strike="noStrike">
-              <a:solidFill>
-                <a:srgbClr val="000000"/>
-              </a:solidFill>
               <a:latin typeface="Arial"/>
             </a:endParaRPr>
           </a:p>
@@ -6038,9 +5656,6 @@
               <a:t>- комагда сопровождения – невероятно отзывчивые и терпеливые люди, спасибо!</a:t>
             </a:r>
             <a:endParaRPr b="0" lang="ru-RU" sz="1800" spc="-1" strike="noStrike">
-              <a:solidFill>
-                <a:srgbClr val="000000"/>
-              </a:solidFill>
               <a:latin typeface="Arial"/>
             </a:endParaRPr>
           </a:p>
@@ -6097,18 +5712,18 @@
         <p:spPr>
           <a:xfrm>
             <a:off x="3161520" y="2823120"/>
-            <a:ext cx="2931120" cy="572400"/>
-          </a:xfrm>
-          <a:prstGeom prst="rect">
-            <a:avLst/>
-          </a:prstGeom>
-          <a:noFill/>
-          <a:ln w="0">
-            <a:noFill/>
-          </a:ln>
-        </p:spPr>
-        <p:txBody>
-          <a:bodyPr tIns="91440" bIns="91440" anchor="t">
+            <a:ext cx="2930760" cy="572040"/>
+          </a:xfrm>
+          <a:prstGeom prst="rect">
+            <a:avLst/>
+          </a:prstGeom>
+          <a:noFill/>
+          <a:ln w="0">
+            <a:noFill/>
+          </a:ln>
+        </p:spPr>
+        <p:txBody>
+          <a:bodyPr lIns="0" rIns="0" tIns="91440" bIns="91440" anchor="t">
             <a:noAutofit/>
           </a:bodyPr>
           <a:p>
@@ -6132,9 +5747,6 @@
               <a:t>Пожелание</a:t>
             </a:r>
             <a:endParaRPr b="0" lang="ru-RU" sz="2320" spc="-1" strike="noStrike">
-              <a:solidFill>
-                <a:srgbClr val="000000"/>
-              </a:solidFill>
               <a:latin typeface="Arial"/>
             </a:endParaRPr>
           </a:p>
@@ -6159,9 +5771,6 @@
               <a:t>одногруппникам</a:t>
             </a:r>
             <a:endParaRPr b="0" lang="ru-RU" sz="2320" spc="-1" strike="noStrike">
-              <a:solidFill>
-                <a:srgbClr val="000000"/>
-              </a:solidFill>
               <a:latin typeface="Arial"/>
             </a:endParaRPr>
           </a:p>
